--- a/Final project presentation.pptx
+++ b/Final project presentation.pptx
@@ -5,18 +5,17 @@
     <p:sldMasterId id="2147483773" r:id="rId1"/>
   </p:sldMasterIdLst>
   <p:notesMasterIdLst>
-    <p:notesMasterId r:id="rId11"/>
+    <p:notesMasterId r:id="rId10"/>
   </p:notesMasterIdLst>
   <p:sldIdLst>
     <p:sldId id="256" r:id="rId2"/>
     <p:sldId id="257" r:id="rId3"/>
-    <p:sldId id="258" r:id="rId4"/>
-    <p:sldId id="259" r:id="rId5"/>
-    <p:sldId id="260" r:id="rId6"/>
-    <p:sldId id="261" r:id="rId7"/>
-    <p:sldId id="262" r:id="rId8"/>
-    <p:sldId id="263" r:id="rId9"/>
-    <p:sldId id="264" r:id="rId10"/>
+    <p:sldId id="259" r:id="rId4"/>
+    <p:sldId id="260" r:id="rId5"/>
+    <p:sldId id="261" r:id="rId6"/>
+    <p:sldId id="262" r:id="rId7"/>
+    <p:sldId id="263" r:id="rId8"/>
+    <p:sldId id="264" r:id="rId9"/>
   </p:sldIdLst>
   <p:sldSz cx="12192000" cy="6858000"/>
   <p:notesSz cx="6858000" cy="9144000"/>
@@ -115,6 +114,11 @@
       </a:defRPr>
     </a:lvl9pPr>
   </p:defaultTextStyle>
+  <p:extLst>
+    <p:ext uri="{EFAFB233-063F-42B5-8137-9DF3F51BA10A}">
+      <p15:sldGuideLst xmlns:p15="http://schemas.microsoft.com/office/powerpoint/2012/main"/>
+    </p:ext>
+  </p:extLst>
 </p:presentation>
 </file>
 
@@ -123,7 +127,7 @@
   <pc:docChgLst>
     <pc:chgData name="Lee, Jonathan" userId="786334a7-bc2b-4dd6-b065-ea16820b3189" providerId="ADAL" clId="{21BB25A7-AA0E-4F72-BC4F-B074DB51D81B}"/>
     <pc:docChg chg="undo custSel addSld delSld modSld">
-      <pc:chgData name="Lee, Jonathan" userId="786334a7-bc2b-4dd6-b065-ea16820b3189" providerId="ADAL" clId="{21BB25A7-AA0E-4F72-BC4F-B074DB51D81B}" dt="2024-12-16T05:44:00.373" v="2779" actId="962"/>
+      <pc:chgData name="Lee, Jonathan" userId="786334a7-bc2b-4dd6-b065-ea16820b3189" providerId="ADAL" clId="{21BB25A7-AA0E-4F72-BC4F-B074DB51D81B}" dt="2024-12-16T15:08:29.325" v="2810" actId="47"/>
       <pc:docMkLst>
         <pc:docMk/>
       </pc:docMkLst>
@@ -421,6 +425,13 @@
           </ac:cxnSpMkLst>
         </pc:cxnChg>
       </pc:sldChg>
+      <pc:sldChg chg="add del">
+        <pc:chgData name="Lee, Jonathan" userId="786334a7-bc2b-4dd6-b065-ea16820b3189" providerId="ADAL" clId="{21BB25A7-AA0E-4F72-BC4F-B074DB51D81B}" dt="2024-12-16T15:08:29.325" v="2810" actId="47"/>
+        <pc:sldMkLst>
+          <pc:docMk/>
+          <pc:sldMk cId="438211936" sldId="258"/>
+        </pc:sldMkLst>
+      </pc:sldChg>
       <pc:sldChg chg="modSp mod">
         <pc:chgData name="Lee, Jonathan" userId="786334a7-bc2b-4dd6-b065-ea16820b3189" providerId="ADAL" clId="{21BB25A7-AA0E-4F72-BC4F-B074DB51D81B}" dt="2024-12-15T23:30:27.238" v="566" actId="20577"/>
         <pc:sldMkLst>
@@ -460,7 +471,7 @@
         </pc:picChg>
       </pc:sldChg>
       <pc:sldChg chg="addSp delSp modSp add del mod setBg">
-        <pc:chgData name="Lee, Jonathan" userId="786334a7-bc2b-4dd6-b065-ea16820b3189" providerId="ADAL" clId="{21BB25A7-AA0E-4F72-BC4F-B074DB51D81B}" dt="2024-12-16T05:44:00.373" v="2779" actId="962"/>
+        <pc:chgData name="Lee, Jonathan" userId="786334a7-bc2b-4dd6-b065-ea16820b3189" providerId="ADAL" clId="{21BB25A7-AA0E-4F72-BC4F-B074DB51D81B}" dt="2024-12-16T15:08:23.414" v="2809" actId="20577"/>
         <pc:sldMkLst>
           <pc:docMk/>
           <pc:sldMk cId="3024378837" sldId="261"/>
@@ -474,7 +485,7 @@
           </ac:spMkLst>
         </pc:spChg>
         <pc:spChg chg="mod ord">
-          <ac:chgData name="Lee, Jonathan" userId="786334a7-bc2b-4dd6-b065-ea16820b3189" providerId="ADAL" clId="{21BB25A7-AA0E-4F72-BC4F-B074DB51D81B}" dt="2024-12-16T05:44:00.373" v="2779" actId="962"/>
+          <ac:chgData name="Lee, Jonathan" userId="786334a7-bc2b-4dd6-b065-ea16820b3189" providerId="ADAL" clId="{21BB25A7-AA0E-4F72-BC4F-B074DB51D81B}" dt="2024-12-16T15:08:23.414" v="2809" actId="20577"/>
           <ac:spMkLst>
             <pc:docMk/>
             <pc:sldMk cId="3024378837" sldId="261"/>
@@ -6376,7 +6387,7 @@
       </p:grpSpPr>
       <p:sp useBgFill="1">
         <p:nvSpPr>
-          <p:cNvPr id="8" name="Rectangle 7">
+          <p:cNvPr id="24" name="Rectangle 23">
             <a:extLst>
               <a:ext uri="{FF2B5EF4-FFF2-40B4-BE49-F238E27FC236}">
                 <a16:creationId xmlns:a16="http://schemas.microsoft.com/office/drawing/2014/main" id="{92B0CFF1-78D7-4A83-A95E-71F9E3831622}"/>
@@ -6436,7 +6447,7 @@
       </p:sp>
       <p:sp>
         <p:nvSpPr>
-          <p:cNvPr id="10" name="Rectangle 9">
+          <p:cNvPr id="25" name="Rectangle 24">
             <a:extLst>
               <a:ext uri="{FF2B5EF4-FFF2-40B4-BE49-F238E27FC236}">
                 <a16:creationId xmlns:a16="http://schemas.microsoft.com/office/drawing/2014/main" id="{EC84EE41-863A-4DE9-9A51-4F014D681F70}"/>
@@ -6504,7 +6515,7 @@
           <p:cNvPr id="2" name="Title 1">
             <a:extLst>
               <a:ext uri="{FF2B5EF4-FFF2-40B4-BE49-F238E27FC236}">
-                <a16:creationId xmlns:a16="http://schemas.microsoft.com/office/drawing/2014/main" id="{3527694F-2836-4068-70ED-A1599F4C6F6A}"/>
+                <a16:creationId xmlns:a16="http://schemas.microsoft.com/office/drawing/2014/main" id="{F39EF5F1-7D4F-3A4F-A3B0-16D807A1DEC5}"/>
               </a:ext>
             </a:extLst>
           </p:cNvPr>
@@ -6523,20 +6534,20 @@
         </p:spPr>
         <p:txBody>
           <a:bodyPr>
-            <a:normAutofit fontScale="90000"/>
+            <a:normAutofit/>
           </a:bodyPr>
           <a:lstStyle/>
           <a:p>
             <a:r>
               <a:rPr lang="en-US" sz="7200" dirty="0"/>
-              <a:t>Research questions of my experiments</a:t>
+              <a:t>Experiments</a:t>
             </a:r>
           </a:p>
         </p:txBody>
       </p:sp>
       <p:cxnSp>
         <p:nvCxnSpPr>
-          <p:cNvPr id="12" name="Straight Connector 11">
+          <p:cNvPr id="26" name="Straight Connector 25">
             <a:extLst>
               <a:ext uri="{FF2B5EF4-FFF2-40B4-BE49-F238E27FC236}">
                 <a16:creationId xmlns:a16="http://schemas.microsoft.com/office/drawing/2014/main" id="{23135360-3A7F-436F-B1EA-3628A78B57BD}"/>
@@ -6588,7 +6599,7 @@
       </p:cxnSp>
       <p:cxnSp>
         <p:nvCxnSpPr>
-          <p:cNvPr id="14" name="Straight Connector 13">
+          <p:cNvPr id="27" name="Straight Connector 26">
             <a:extLst>
               <a:ext uri="{FF2B5EF4-FFF2-40B4-BE49-F238E27FC236}">
                 <a16:creationId xmlns:a16="http://schemas.microsoft.com/office/drawing/2014/main" id="{08990BBA-8A0B-4EF5-A122-0815DEC19410}"/>
@@ -6643,7 +6654,7 @@
           <p:cNvPr id="3" name="Content Placeholder 2">
             <a:extLst>
               <a:ext uri="{FF2B5EF4-FFF2-40B4-BE49-F238E27FC236}">
-                <a16:creationId xmlns:a16="http://schemas.microsoft.com/office/drawing/2014/main" id="{29C686D2-4A48-2532-8A0B-78FD65CF5AFE}"/>
+                <a16:creationId xmlns:a16="http://schemas.microsoft.com/office/drawing/2014/main" id="{93BF63B4-1E16-7D39-418A-5FEE2DB0254B}"/>
               </a:ext>
             </a:extLst>
           </p:cNvPr>
@@ -6657,7 +6668,7 @@
         <p:spPr>
           <a:xfrm>
             <a:off x="482600" y="3408254"/>
-            <a:ext cx="10468429" cy="2470031"/>
+            <a:ext cx="8411119" cy="2470031"/>
           </a:xfrm>
         </p:spPr>
         <p:txBody>
@@ -6672,7 +6683,7 @@
             </a:pPr>
             <a:r>
               <a:rPr lang="en-US" dirty="0"/>
-              <a:t>Can naive listeners distinguish disfluency from other similarly sounding lexicon based on phonetic cues?</a:t>
+              <a:t>Perception ability</a:t>
             </a:r>
           </a:p>
           <a:p>
@@ -6682,17 +6693,37 @@
             </a:pPr>
             <a:r>
               <a:rPr lang="en-US" dirty="0"/>
-              <a:t>If so, what are the factors contributing to the individual differences in the foreign language learning performance?</a:t>
-            </a:r>
-          </a:p>
-          <a:p>
+              <a:t>Phonological awareness to foreign language</a:t>
+            </a:r>
+          </a:p>
+          <a:p>
+            <a:pPr marL="457200" indent="-457200">
+              <a:buFont typeface="+mj-lt"/>
+              <a:buAutoNum type="arabicPeriod"/>
+            </a:pPr>
+            <a:r>
+              <a:rPr lang="en-US" dirty="0"/>
+              <a:t>Classification task (main study)</a:t>
+            </a:r>
+          </a:p>
+          <a:p>
+            <a:pPr marL="457200" indent="-457200">
+              <a:buFont typeface="+mj-lt"/>
+              <a:buAutoNum type="arabicPeriod"/>
+            </a:pPr>
             <a:endParaRPr lang="en-US" dirty="0"/>
+          </a:p>
+          <a:p>
+            <a:r>
+              <a:rPr lang="en-US" dirty="0"/>
+              <a:t>A total of 72 trials</a:t>
+            </a:r>
           </a:p>
         </p:txBody>
       </p:sp>
       <p:cxnSp>
         <p:nvCxnSpPr>
-          <p:cNvPr id="16" name="Straight Connector 15">
+          <p:cNvPr id="28" name="Straight Connector 27">
             <a:extLst>
               <a:ext uri="{FF2B5EF4-FFF2-40B4-BE49-F238E27FC236}">
                 <a16:creationId xmlns:a16="http://schemas.microsoft.com/office/drawing/2014/main" id="{38045D80-B59B-4760-8DF9-AECD53044DA6}"/>
@@ -6747,7 +6778,7 @@
           <p:cNvPr id="4" name="Slide Number Placeholder 3">
             <a:extLst>
               <a:ext uri="{FF2B5EF4-FFF2-40B4-BE49-F238E27FC236}">
-                <a16:creationId xmlns:a16="http://schemas.microsoft.com/office/drawing/2014/main" id="{92367ABF-69B9-ABAC-939F-C696D60B333D}"/>
+                <a16:creationId xmlns:a16="http://schemas.microsoft.com/office/drawing/2014/main" id="{DFE209D2-0BFD-D4D4-BD68-D40BE8CB6A72}"/>
               </a:ext>
             </a:extLst>
           </p:cNvPr>
@@ -6774,7 +6805,7 @@
     </p:spTree>
     <p:extLst>
       <p:ext uri="{BB962C8B-B14F-4D97-AF65-F5344CB8AC3E}">
-        <p14:creationId xmlns:p14="http://schemas.microsoft.com/office/powerpoint/2010/main" val="438211936"/>
+        <p14:creationId xmlns:p14="http://schemas.microsoft.com/office/powerpoint/2010/main" val="2530184194"/>
       </p:ext>
     </p:extLst>
   </p:cSld>
@@ -6811,7 +6842,7 @@
       </p:grpSpPr>
       <p:sp useBgFill="1">
         <p:nvSpPr>
-          <p:cNvPr id="24" name="Rectangle 23">
+          <p:cNvPr id="8" name="Rectangle 7">
             <a:extLst>
               <a:ext uri="{FF2B5EF4-FFF2-40B4-BE49-F238E27FC236}">
                 <a16:creationId xmlns:a16="http://schemas.microsoft.com/office/drawing/2014/main" id="{92B0CFF1-78D7-4A83-A95E-71F9E3831622}"/>
@@ -6871,7 +6902,7 @@
       </p:sp>
       <p:sp>
         <p:nvSpPr>
-          <p:cNvPr id="25" name="Rectangle 24">
+          <p:cNvPr id="10" name="Rectangle 9">
             <a:extLst>
               <a:ext uri="{FF2B5EF4-FFF2-40B4-BE49-F238E27FC236}">
                 <a16:creationId xmlns:a16="http://schemas.microsoft.com/office/drawing/2014/main" id="{EC84EE41-863A-4DE9-9A51-4F014D681F70}"/>
@@ -6939,461 +6970,6 @@
           <p:cNvPr id="2" name="Title 1">
             <a:extLst>
               <a:ext uri="{FF2B5EF4-FFF2-40B4-BE49-F238E27FC236}">
-                <a16:creationId xmlns:a16="http://schemas.microsoft.com/office/drawing/2014/main" id="{F39EF5F1-7D4F-3A4F-A3B0-16D807A1DEC5}"/>
-              </a:ext>
-            </a:extLst>
-          </p:cNvPr>
-          <p:cNvSpPr>
-            <a:spLocks noGrp="1"/>
-          </p:cNvSpPr>
-          <p:nvPr>
-            <p:ph type="title"/>
-          </p:nvPr>
-        </p:nvSpPr>
-        <p:spPr>
-          <a:xfrm>
-            <a:off x="482601" y="976160"/>
-            <a:ext cx="8411120" cy="1493871"/>
-          </a:xfrm>
-        </p:spPr>
-        <p:txBody>
-          <a:bodyPr>
-            <a:normAutofit/>
-          </a:bodyPr>
-          <a:lstStyle/>
-          <a:p>
-            <a:r>
-              <a:rPr lang="en-US" sz="7200" dirty="0"/>
-              <a:t>Experiments</a:t>
-            </a:r>
-          </a:p>
-        </p:txBody>
-      </p:sp>
-      <p:cxnSp>
-        <p:nvCxnSpPr>
-          <p:cNvPr id="26" name="Straight Connector 25">
-            <a:extLst>
-              <a:ext uri="{FF2B5EF4-FFF2-40B4-BE49-F238E27FC236}">
-                <a16:creationId xmlns:a16="http://schemas.microsoft.com/office/drawing/2014/main" id="{23135360-3A7F-436F-B1EA-3628A78B57BD}"/>
-              </a:ext>
-              <a:ext uri="{C183D7F6-B498-43B3-948B-1728B52AA6E4}">
-                <adec:decorative xmlns:adec="http://schemas.microsoft.com/office/drawing/2017/decorative" val="1"/>
-              </a:ext>
-            </a:extLst>
-          </p:cNvPr>
-          <p:cNvCxnSpPr>
-            <a:cxnSpLocks noGrp="1" noRot="1" noChangeAspect="1" noMove="1" noResize="1" noEditPoints="1" noAdjustHandles="1" noChangeArrowheads="1" noChangeShapeType="1"/>
-          </p:cNvCxnSpPr>
-          <p:nvPr>
-            <p:extLst>
-              <p:ext uri="{386F3935-93C4-4BCD-93E2-E3B085C9AB24}">
-                <p16:designElem xmlns:p16="http://schemas.microsoft.com/office/powerpoint/2015/main" val="1"/>
-              </p:ext>
-            </p:extLst>
-          </p:nvPr>
-        </p:nvCxnSpPr>
-        <p:spPr>
-          <a:xfrm>
-            <a:off x="482600" y="489854"/>
-            <a:ext cx="11147071" cy="0"/>
-          </a:xfrm>
-          <a:prstGeom prst="line">
-            <a:avLst/>
-          </a:prstGeom>
-          <a:ln w="28575">
-            <a:solidFill>
-              <a:schemeClr val="tx1"/>
-            </a:solidFill>
-          </a:ln>
-        </p:spPr>
-        <p:style>
-          <a:lnRef idx="1">
-            <a:schemeClr val="dk1"/>
-          </a:lnRef>
-          <a:fillRef idx="0">
-            <a:schemeClr val="dk1"/>
-          </a:fillRef>
-          <a:effectRef idx="0">
-            <a:schemeClr val="dk1"/>
-          </a:effectRef>
-          <a:fontRef idx="minor">
-            <a:schemeClr val="tx1"/>
-          </a:fontRef>
-        </p:style>
-      </p:cxnSp>
-      <p:cxnSp>
-        <p:nvCxnSpPr>
-          <p:cNvPr id="27" name="Straight Connector 26">
-            <a:extLst>
-              <a:ext uri="{FF2B5EF4-FFF2-40B4-BE49-F238E27FC236}">
-                <a16:creationId xmlns:a16="http://schemas.microsoft.com/office/drawing/2014/main" id="{08990BBA-8A0B-4EF5-A122-0815DEC19410}"/>
-              </a:ext>
-              <a:ext uri="{C183D7F6-B498-43B3-948B-1728B52AA6E4}">
-                <adec:decorative xmlns:adec="http://schemas.microsoft.com/office/drawing/2017/decorative" val="1"/>
-              </a:ext>
-            </a:extLst>
-          </p:cNvPr>
-          <p:cNvCxnSpPr>
-            <a:cxnSpLocks noGrp="1" noRot="1" noChangeAspect="1" noMove="1" noResize="1" noEditPoints="1" noAdjustHandles="1" noChangeArrowheads="1" noChangeShapeType="1"/>
-          </p:cNvCxnSpPr>
-          <p:nvPr>
-            <p:extLst>
-              <p:ext uri="{386F3935-93C4-4BCD-93E2-E3B085C9AB24}">
-                <p16:designElem xmlns:p16="http://schemas.microsoft.com/office/powerpoint/2015/main" val="1"/>
-              </p:ext>
-            </p:extLst>
-          </p:nvPr>
-        </p:nvCxnSpPr>
-        <p:spPr>
-          <a:xfrm>
-            <a:off x="482600" y="2918401"/>
-            <a:ext cx="11147071" cy="0"/>
-          </a:xfrm>
-          <a:prstGeom prst="line">
-            <a:avLst/>
-          </a:prstGeom>
-          <a:ln w="28575">
-            <a:solidFill>
-              <a:schemeClr val="tx1"/>
-            </a:solidFill>
-          </a:ln>
-        </p:spPr>
-        <p:style>
-          <a:lnRef idx="1">
-            <a:schemeClr val="dk1"/>
-          </a:lnRef>
-          <a:fillRef idx="0">
-            <a:schemeClr val="dk1"/>
-          </a:fillRef>
-          <a:effectRef idx="0">
-            <a:schemeClr val="dk1"/>
-          </a:effectRef>
-          <a:fontRef idx="minor">
-            <a:schemeClr val="tx1"/>
-          </a:fontRef>
-        </p:style>
-      </p:cxnSp>
-      <p:sp>
-        <p:nvSpPr>
-          <p:cNvPr id="3" name="Content Placeholder 2">
-            <a:extLst>
-              <a:ext uri="{FF2B5EF4-FFF2-40B4-BE49-F238E27FC236}">
-                <a16:creationId xmlns:a16="http://schemas.microsoft.com/office/drawing/2014/main" id="{93BF63B4-1E16-7D39-418A-5FEE2DB0254B}"/>
-              </a:ext>
-            </a:extLst>
-          </p:cNvPr>
-          <p:cNvSpPr>
-            <a:spLocks noGrp="1"/>
-          </p:cNvSpPr>
-          <p:nvPr>
-            <p:ph idx="1"/>
-          </p:nvPr>
-        </p:nvSpPr>
-        <p:spPr>
-          <a:xfrm>
-            <a:off x="482600" y="3408254"/>
-            <a:ext cx="8411119" cy="2470031"/>
-          </a:xfrm>
-        </p:spPr>
-        <p:txBody>
-          <a:bodyPr>
-            <a:normAutofit/>
-          </a:bodyPr>
-          <a:lstStyle/>
-          <a:p>
-            <a:pPr marL="457200" indent="-457200">
-              <a:buFont typeface="+mj-lt"/>
-              <a:buAutoNum type="arabicPeriod"/>
-            </a:pPr>
-            <a:r>
-              <a:rPr lang="en-US" dirty="0"/>
-              <a:t>Perception ability</a:t>
-            </a:r>
-          </a:p>
-          <a:p>
-            <a:pPr marL="457200" indent="-457200">
-              <a:buFont typeface="+mj-lt"/>
-              <a:buAutoNum type="arabicPeriod"/>
-            </a:pPr>
-            <a:r>
-              <a:rPr lang="en-US" dirty="0"/>
-              <a:t>Phonological awareness to foreign language</a:t>
-            </a:r>
-          </a:p>
-          <a:p>
-            <a:pPr marL="457200" indent="-457200">
-              <a:buFont typeface="+mj-lt"/>
-              <a:buAutoNum type="arabicPeriod"/>
-            </a:pPr>
-            <a:r>
-              <a:rPr lang="en-US" dirty="0"/>
-              <a:t>Classification task (main study)</a:t>
-            </a:r>
-          </a:p>
-          <a:p>
-            <a:pPr marL="457200" indent="-457200">
-              <a:buFont typeface="+mj-lt"/>
-              <a:buAutoNum type="arabicPeriod"/>
-            </a:pPr>
-            <a:endParaRPr lang="en-US" dirty="0"/>
-          </a:p>
-          <a:p>
-            <a:r>
-              <a:rPr lang="en-US" dirty="0"/>
-              <a:t>A total of 72 trials</a:t>
-            </a:r>
-          </a:p>
-        </p:txBody>
-      </p:sp>
-      <p:cxnSp>
-        <p:nvCxnSpPr>
-          <p:cNvPr id="28" name="Straight Connector 27">
-            <a:extLst>
-              <a:ext uri="{FF2B5EF4-FFF2-40B4-BE49-F238E27FC236}">
-                <a16:creationId xmlns:a16="http://schemas.microsoft.com/office/drawing/2014/main" id="{38045D80-B59B-4760-8DF9-AECD53044DA6}"/>
-              </a:ext>
-              <a:ext uri="{C183D7F6-B498-43B3-948B-1728B52AA6E4}">
-                <adec:decorative xmlns:adec="http://schemas.microsoft.com/office/drawing/2017/decorative" val="1"/>
-              </a:ext>
-            </a:extLst>
-          </p:cNvPr>
-          <p:cNvCxnSpPr>
-            <a:cxnSpLocks noGrp="1" noRot="1" noChangeAspect="1" noMove="1" noResize="1" noEditPoints="1" noAdjustHandles="1" noChangeArrowheads="1" noChangeShapeType="1"/>
-          </p:cNvCxnSpPr>
-          <p:nvPr>
-            <p:extLst>
-              <p:ext uri="{386F3935-93C4-4BCD-93E2-E3B085C9AB24}">
-                <p16:designElem xmlns:p16="http://schemas.microsoft.com/office/powerpoint/2015/main" val="1"/>
-              </p:ext>
-            </p:extLst>
-          </p:nvPr>
-        </p:nvCxnSpPr>
-        <p:spPr>
-          <a:xfrm>
-            <a:off x="482600" y="6368138"/>
-            <a:ext cx="11147071" cy="0"/>
-          </a:xfrm>
-          <a:prstGeom prst="line">
-            <a:avLst/>
-          </a:prstGeom>
-          <a:ln w="28575">
-            <a:solidFill>
-              <a:schemeClr val="tx2"/>
-            </a:solidFill>
-          </a:ln>
-        </p:spPr>
-        <p:style>
-          <a:lnRef idx="1">
-            <a:schemeClr val="dk1"/>
-          </a:lnRef>
-          <a:fillRef idx="0">
-            <a:schemeClr val="dk1"/>
-          </a:fillRef>
-          <a:effectRef idx="0">
-            <a:schemeClr val="dk1"/>
-          </a:effectRef>
-          <a:fontRef idx="minor">
-            <a:schemeClr val="tx1"/>
-          </a:fontRef>
-        </p:style>
-      </p:cxnSp>
-      <p:sp>
-        <p:nvSpPr>
-          <p:cNvPr id="4" name="Slide Number Placeholder 3">
-            <a:extLst>
-              <a:ext uri="{FF2B5EF4-FFF2-40B4-BE49-F238E27FC236}">
-                <a16:creationId xmlns:a16="http://schemas.microsoft.com/office/drawing/2014/main" id="{DFE209D2-0BFD-D4D4-BD68-D40BE8CB6A72}"/>
-              </a:ext>
-            </a:extLst>
-          </p:cNvPr>
-          <p:cNvSpPr>
-            <a:spLocks noGrp="1"/>
-          </p:cNvSpPr>
-          <p:nvPr>
-            <p:ph type="sldNum" sz="quarter" idx="12"/>
-          </p:nvPr>
-        </p:nvSpPr>
-        <p:spPr/>
-        <p:txBody>
-          <a:bodyPr/>
-          <a:lstStyle/>
-          <a:p>
-            <a:fld id="{60553ECD-7F6D-420D-93CA-D8D15EB427AC}" type="slidenum">
-              <a:rPr lang="en-US" smtClean="0"/>
-              <a:t>4</a:t>
-            </a:fld>
-            <a:endParaRPr lang="en-US"/>
-          </a:p>
-        </p:txBody>
-      </p:sp>
-    </p:spTree>
-    <p:extLst>
-      <p:ext uri="{BB962C8B-B14F-4D97-AF65-F5344CB8AC3E}">
-        <p14:creationId xmlns:p14="http://schemas.microsoft.com/office/powerpoint/2010/main" val="2530184194"/>
-      </p:ext>
-    </p:extLst>
-  </p:cSld>
-  <p:clrMapOvr>
-    <a:masterClrMapping/>
-  </p:clrMapOvr>
-</p:sld>
-</file>
-
-<file path=ppt/slides/slide5.xml><?xml version="1.0" encoding="utf-8"?>
-<p:sld xmlns:a="http://schemas.openxmlformats.org/drawingml/2006/main" xmlns:r="http://schemas.openxmlformats.org/officeDocument/2006/relationships" xmlns:p="http://schemas.openxmlformats.org/presentationml/2006/main">
-  <p:cSld>
-    <p:bg>
-      <p:bgPr>
-        <a:solidFill>
-          <a:schemeClr val="bg1"/>
-        </a:solidFill>
-        <a:effectLst/>
-      </p:bgPr>
-    </p:bg>
-    <p:spTree>
-      <p:nvGrpSpPr>
-        <p:cNvPr id="1" name=""/>
-        <p:cNvGrpSpPr/>
-        <p:nvPr/>
-      </p:nvGrpSpPr>
-      <p:grpSpPr>
-        <a:xfrm>
-          <a:off x="0" y="0"/>
-          <a:ext cx="0" cy="0"/>
-          <a:chOff x="0" y="0"/>
-          <a:chExt cx="0" cy="0"/>
-        </a:xfrm>
-      </p:grpSpPr>
-      <p:sp useBgFill="1">
-        <p:nvSpPr>
-          <p:cNvPr id="8" name="Rectangle 7">
-            <a:extLst>
-              <a:ext uri="{FF2B5EF4-FFF2-40B4-BE49-F238E27FC236}">
-                <a16:creationId xmlns:a16="http://schemas.microsoft.com/office/drawing/2014/main" id="{92B0CFF1-78D7-4A83-A95E-71F9E3831622}"/>
-              </a:ext>
-              <a:ext uri="{C183D7F6-B498-43B3-948B-1728B52AA6E4}">
-                <adec:decorative xmlns:adec="http://schemas.microsoft.com/office/drawing/2017/decorative" val="1"/>
-              </a:ext>
-            </a:extLst>
-          </p:cNvPr>
-          <p:cNvSpPr>
-            <a:spLocks noGrp="1" noRot="1" noChangeAspect="1" noMove="1" noResize="1" noEditPoints="1" noAdjustHandles="1" noChangeArrowheads="1" noChangeShapeType="1" noTextEdit="1"/>
-          </p:cNvSpPr>
-          <p:nvPr>
-            <p:extLst>
-              <p:ext uri="{386F3935-93C4-4BCD-93E2-E3B085C9AB24}">
-                <p16:designElem xmlns:p16="http://schemas.microsoft.com/office/powerpoint/2015/main" val="1"/>
-              </p:ext>
-            </p:extLst>
-          </p:nvPr>
-        </p:nvSpPr>
-        <p:spPr>
-          <a:xfrm>
-            <a:off x="0" y="0"/>
-            <a:ext cx="12192000" cy="6858001"/>
-          </a:xfrm>
-          <a:prstGeom prst="rect">
-            <a:avLst/>
-          </a:prstGeom>
-          <a:ln>
-            <a:noFill/>
-          </a:ln>
-        </p:spPr>
-        <p:style>
-          <a:lnRef idx="2">
-            <a:schemeClr val="accent1">
-              <a:shade val="50000"/>
-            </a:schemeClr>
-          </a:lnRef>
-          <a:fillRef idx="1">
-            <a:schemeClr val="accent1"/>
-          </a:fillRef>
-          <a:effectRef idx="0">
-            <a:schemeClr val="accent1"/>
-          </a:effectRef>
-          <a:fontRef idx="minor">
-            <a:schemeClr val="lt1"/>
-          </a:fontRef>
-        </p:style>
-        <p:txBody>
-          <a:bodyPr rtlCol="0" anchor="ctr"/>
-          <a:lstStyle/>
-          <a:p>
-            <a:pPr algn="ctr"/>
-            <a:endParaRPr lang="en-US" dirty="0"/>
-          </a:p>
-        </p:txBody>
-      </p:sp>
-      <p:sp>
-        <p:nvSpPr>
-          <p:cNvPr id="10" name="Rectangle 9">
-            <a:extLst>
-              <a:ext uri="{FF2B5EF4-FFF2-40B4-BE49-F238E27FC236}">
-                <a16:creationId xmlns:a16="http://schemas.microsoft.com/office/drawing/2014/main" id="{EC84EE41-863A-4DE9-9A51-4F014D681F70}"/>
-              </a:ext>
-              <a:ext uri="{C183D7F6-B498-43B3-948B-1728B52AA6E4}">
-                <adec:decorative xmlns:adec="http://schemas.microsoft.com/office/drawing/2017/decorative" val="1"/>
-              </a:ext>
-            </a:extLst>
-          </p:cNvPr>
-          <p:cNvSpPr>
-            <a:spLocks noGrp="1" noRot="1" noChangeAspect="1" noMove="1" noResize="1" noEditPoints="1" noAdjustHandles="1" noChangeArrowheads="1" noChangeShapeType="1" noTextEdit="1"/>
-          </p:cNvSpPr>
-          <p:nvPr>
-            <p:extLst>
-              <p:ext uri="{386F3935-93C4-4BCD-93E2-E3B085C9AB24}">
-                <p16:designElem xmlns:p16="http://schemas.microsoft.com/office/powerpoint/2015/main" val="1"/>
-              </p:ext>
-            </p:extLst>
-          </p:nvPr>
-        </p:nvSpPr>
-        <p:spPr>
-          <a:xfrm>
-            <a:off x="479416" y="485369"/>
-            <a:ext cx="11147071" cy="2460838"/>
-          </a:xfrm>
-          <a:prstGeom prst="rect">
-            <a:avLst/>
-          </a:prstGeom>
-          <a:solidFill>
-            <a:schemeClr val="accent1">
-              <a:alpha val="10000"/>
-            </a:schemeClr>
-          </a:solidFill>
-          <a:ln>
-            <a:noFill/>
-          </a:ln>
-        </p:spPr>
-        <p:style>
-          <a:lnRef idx="2">
-            <a:schemeClr val="accent1">
-              <a:shade val="50000"/>
-            </a:schemeClr>
-          </a:lnRef>
-          <a:fillRef idx="1">
-            <a:schemeClr val="accent1"/>
-          </a:fillRef>
-          <a:effectRef idx="0">
-            <a:schemeClr val="accent1"/>
-          </a:effectRef>
-          <a:fontRef idx="minor">
-            <a:schemeClr val="lt1"/>
-          </a:fontRef>
-        </p:style>
-        <p:txBody>
-          <a:bodyPr rtlCol="0" anchor="ctr"/>
-          <a:lstStyle/>
-          <a:p>
-            <a:pPr algn="ctr"/>
-            <a:endParaRPr lang="en-US"/>
-          </a:p>
-        </p:txBody>
-      </p:sp>
-      <p:sp>
-        <p:nvSpPr>
-          <p:cNvPr id="2" name="Title 1">
-            <a:extLst>
-              <a:ext uri="{FF2B5EF4-FFF2-40B4-BE49-F238E27FC236}">
                 <a16:creationId xmlns:a16="http://schemas.microsoft.com/office/drawing/2014/main" id="{7BF13438-B5EF-D526-A863-4E0004DE80D9}"/>
               </a:ext>
             </a:extLst>
@@ -7756,7 +7332,7 @@
           <a:p>
             <a:fld id="{60553ECD-7F6D-420D-93CA-D8D15EB427AC}" type="slidenum">
               <a:rPr lang="en-US" smtClean="0"/>
-              <a:t>5</a:t>
+              <a:t>4</a:t>
             </a:fld>
             <a:endParaRPr lang="en-US"/>
           </a:p>
@@ -7804,6 +7380,548 @@
 </p:sld>
 </file>
 
+<file path=ppt/slides/slide5.xml><?xml version="1.0" encoding="utf-8"?>
+<p:sld xmlns:a="http://schemas.openxmlformats.org/drawingml/2006/main" xmlns:r="http://schemas.openxmlformats.org/officeDocument/2006/relationships" xmlns:p="http://schemas.openxmlformats.org/presentationml/2006/main">
+  <p:cSld>
+    <p:bg>
+      <p:bgPr>
+        <a:solidFill>
+          <a:schemeClr val="bg1"/>
+        </a:solidFill>
+        <a:effectLst/>
+      </p:bgPr>
+    </p:bg>
+    <p:spTree>
+      <p:nvGrpSpPr>
+        <p:cNvPr id="1" name=""/>
+        <p:cNvGrpSpPr/>
+        <p:nvPr/>
+      </p:nvGrpSpPr>
+      <p:grpSpPr>
+        <a:xfrm>
+          <a:off x="0" y="0"/>
+          <a:ext cx="0" cy="0"/>
+          <a:chOff x="0" y="0"/>
+          <a:chExt cx="0" cy="0"/>
+        </a:xfrm>
+      </p:grpSpPr>
+      <p:sp useBgFill="1">
+        <p:nvSpPr>
+          <p:cNvPr id="31" name="Rectangle 30">
+            <a:extLst>
+              <a:ext uri="{FF2B5EF4-FFF2-40B4-BE49-F238E27FC236}">
+                <a16:creationId xmlns:a16="http://schemas.microsoft.com/office/drawing/2014/main" id="{92B0CFF1-78D7-4A83-A95E-71F9E3831622}"/>
+              </a:ext>
+              <a:ext uri="{C183D7F6-B498-43B3-948B-1728B52AA6E4}">
+                <adec:decorative xmlns:adec="http://schemas.microsoft.com/office/drawing/2017/decorative" val="1"/>
+              </a:ext>
+            </a:extLst>
+          </p:cNvPr>
+          <p:cNvSpPr>
+            <a:spLocks noGrp="1" noRot="1" noChangeAspect="1" noMove="1" noResize="1" noEditPoints="1" noAdjustHandles="1" noChangeArrowheads="1" noChangeShapeType="1" noTextEdit="1"/>
+          </p:cNvSpPr>
+          <p:nvPr>
+            <p:extLst>
+              <p:ext uri="{386F3935-93C4-4BCD-93E2-E3B085C9AB24}">
+                <p16:designElem xmlns:p16="http://schemas.microsoft.com/office/powerpoint/2015/main" val="1"/>
+              </p:ext>
+            </p:extLst>
+          </p:nvPr>
+        </p:nvSpPr>
+        <p:spPr>
+          <a:xfrm>
+            <a:off x="0" y="0"/>
+            <a:ext cx="12192000" cy="6858001"/>
+          </a:xfrm>
+          <a:prstGeom prst="rect">
+            <a:avLst/>
+          </a:prstGeom>
+          <a:ln>
+            <a:noFill/>
+          </a:ln>
+        </p:spPr>
+        <p:style>
+          <a:lnRef idx="2">
+            <a:schemeClr val="accent1">
+              <a:shade val="50000"/>
+            </a:schemeClr>
+          </a:lnRef>
+          <a:fillRef idx="1">
+            <a:schemeClr val="accent1"/>
+          </a:fillRef>
+          <a:effectRef idx="0">
+            <a:schemeClr val="accent1"/>
+          </a:effectRef>
+          <a:fontRef idx="minor">
+            <a:schemeClr val="lt1"/>
+          </a:fontRef>
+        </p:style>
+        <p:txBody>
+          <a:bodyPr rtlCol="0" anchor="ctr"/>
+          <a:lstStyle/>
+          <a:p>
+            <a:pPr algn="ctr"/>
+            <a:endParaRPr lang="en-US" dirty="0"/>
+          </a:p>
+        </p:txBody>
+      </p:sp>
+      <p:sp>
+        <p:nvSpPr>
+          <p:cNvPr id="32" name="Rectangle 31">
+            <a:extLst>
+              <a:ext uri="{FF2B5EF4-FFF2-40B4-BE49-F238E27FC236}">
+                <a16:creationId xmlns:a16="http://schemas.microsoft.com/office/drawing/2014/main" id="{C12927E5-081D-440D-A775-C0AE9DA1E3EC}"/>
+              </a:ext>
+              <a:ext uri="{C183D7F6-B498-43B3-948B-1728B52AA6E4}">
+                <adec:decorative xmlns:adec="http://schemas.microsoft.com/office/drawing/2017/decorative" val="1"/>
+              </a:ext>
+            </a:extLst>
+          </p:cNvPr>
+          <p:cNvSpPr>
+            <a:spLocks noGrp="1" noRot="1" noChangeAspect="1" noMove="1" noResize="1" noEditPoints="1" noAdjustHandles="1" noChangeArrowheads="1" noChangeShapeType="1" noTextEdit="1"/>
+          </p:cNvSpPr>
+          <p:nvPr>
+            <p:extLst>
+              <p:ext uri="{386F3935-93C4-4BCD-93E2-E3B085C9AB24}">
+                <p16:designElem xmlns:p16="http://schemas.microsoft.com/office/powerpoint/2015/main" val="1"/>
+              </p:ext>
+            </p:extLst>
+          </p:nvPr>
+        </p:nvSpPr>
+        <p:spPr>
+          <a:xfrm>
+            <a:off x="481007" y="489856"/>
+            <a:ext cx="11147071" cy="1476642"/>
+          </a:xfrm>
+          <a:prstGeom prst="rect">
+            <a:avLst/>
+          </a:prstGeom>
+          <a:solidFill>
+            <a:schemeClr val="accent1">
+              <a:alpha val="10000"/>
+            </a:schemeClr>
+          </a:solidFill>
+          <a:ln>
+            <a:noFill/>
+          </a:ln>
+        </p:spPr>
+        <p:style>
+          <a:lnRef idx="2">
+            <a:schemeClr val="accent1">
+              <a:shade val="50000"/>
+            </a:schemeClr>
+          </a:lnRef>
+          <a:fillRef idx="1">
+            <a:schemeClr val="accent1"/>
+          </a:fillRef>
+          <a:effectRef idx="0">
+            <a:schemeClr val="accent1"/>
+          </a:effectRef>
+          <a:fontRef idx="minor">
+            <a:schemeClr val="lt1"/>
+          </a:fontRef>
+        </p:style>
+        <p:txBody>
+          <a:bodyPr rtlCol="0" anchor="ctr"/>
+          <a:lstStyle/>
+          <a:p>
+            <a:pPr algn="ctr"/>
+            <a:endParaRPr lang="en-US"/>
+          </a:p>
+        </p:txBody>
+      </p:sp>
+      <p:sp>
+        <p:nvSpPr>
+          <p:cNvPr id="2" name="Title 1">
+            <a:extLst>
+              <a:ext uri="{FF2B5EF4-FFF2-40B4-BE49-F238E27FC236}">
+                <a16:creationId xmlns:a16="http://schemas.microsoft.com/office/drawing/2014/main" id="{6A547EBD-7924-0BEB-DE85-2E6710C0426A}"/>
+              </a:ext>
+            </a:extLst>
+          </p:cNvPr>
+          <p:cNvSpPr>
+            <a:spLocks noGrp="1"/>
+          </p:cNvSpPr>
+          <p:nvPr>
+            <p:ph type="title"/>
+          </p:nvPr>
+        </p:nvSpPr>
+        <p:spPr>
+          <a:xfrm>
+            <a:off x="482601" y="721946"/>
+            <a:ext cx="10813250" cy="1022100"/>
+          </a:xfrm>
+        </p:spPr>
+        <p:txBody>
+          <a:bodyPr>
+            <a:normAutofit/>
+          </a:bodyPr>
+          <a:lstStyle/>
+          <a:p>
+            <a:pPr>
+              <a:lnSpc>
+                <a:spcPct val="90000"/>
+              </a:lnSpc>
+            </a:pPr>
+            <a:r>
+              <a:rPr lang="en-US"/>
+              <a:t>Potential factors</a:t>
+            </a:r>
+          </a:p>
+        </p:txBody>
+      </p:sp>
+      <p:sp>
+        <p:nvSpPr>
+          <p:cNvPr id="4" name="Slide Number Placeholder 3">
+            <a:extLst>
+              <a:ext uri="{FF2B5EF4-FFF2-40B4-BE49-F238E27FC236}">
+                <a16:creationId xmlns:a16="http://schemas.microsoft.com/office/drawing/2014/main" id="{A2D7E379-F2A4-4CDA-0415-933CD228DB0B}"/>
+              </a:ext>
+            </a:extLst>
+          </p:cNvPr>
+          <p:cNvSpPr>
+            <a:spLocks noGrp="1"/>
+          </p:cNvSpPr>
+          <p:nvPr>
+            <p:ph type="sldNum" sz="quarter" idx="12"/>
+          </p:nvPr>
+        </p:nvSpPr>
+        <p:spPr>
+          <a:xfrm>
+            <a:off x="10989591" y="100584"/>
+            <a:ext cx="640080" cy="365125"/>
+          </a:xfrm>
+        </p:spPr>
+        <p:txBody>
+          <a:bodyPr>
+            <a:normAutofit/>
+          </a:bodyPr>
+          <a:lstStyle/>
+          <a:p>
+            <a:pPr>
+              <a:spcAft>
+                <a:spcPts val="600"/>
+              </a:spcAft>
+            </a:pPr>
+            <a:fld id="{60553ECD-7F6D-420D-93CA-D8D15EB427AC}" type="slidenum">
+              <a:rPr lang="en-US" smtClean="0"/>
+              <a:pPr>
+                <a:spcAft>
+                  <a:spcPts val="600"/>
+                </a:spcAft>
+              </a:pPr>
+              <a:t>5</a:t>
+            </a:fld>
+            <a:endParaRPr lang="en-US"/>
+          </a:p>
+        </p:txBody>
+      </p:sp>
+      <p:cxnSp>
+        <p:nvCxnSpPr>
+          <p:cNvPr id="33" name="Straight Connector 32">
+            <a:extLst>
+              <a:ext uri="{FF2B5EF4-FFF2-40B4-BE49-F238E27FC236}">
+                <a16:creationId xmlns:a16="http://schemas.microsoft.com/office/drawing/2014/main" id="{22CDD0E7-BDD6-41F4-8AAB-088A2E8D0367}"/>
+              </a:ext>
+              <a:ext uri="{C183D7F6-B498-43B3-948B-1728B52AA6E4}">
+                <adec:decorative xmlns:adec="http://schemas.microsoft.com/office/drawing/2017/decorative" val="1"/>
+              </a:ext>
+            </a:extLst>
+          </p:cNvPr>
+          <p:cNvCxnSpPr>
+            <a:cxnSpLocks noGrp="1" noRot="1" noChangeAspect="1" noMove="1" noResize="1" noEditPoints="1" noAdjustHandles="1" noChangeArrowheads="1" noChangeShapeType="1"/>
+          </p:cNvCxnSpPr>
+          <p:nvPr>
+            <p:extLst>
+              <p:ext uri="{386F3935-93C4-4BCD-93E2-E3B085C9AB24}">
+                <p16:designElem xmlns:p16="http://schemas.microsoft.com/office/powerpoint/2015/main" val="1"/>
+              </p:ext>
+            </p:extLst>
+          </p:nvPr>
+        </p:nvCxnSpPr>
+        <p:spPr>
+          <a:xfrm>
+            <a:off x="482600" y="489855"/>
+            <a:ext cx="11147071" cy="0"/>
+          </a:xfrm>
+          <a:prstGeom prst="line">
+            <a:avLst/>
+          </a:prstGeom>
+          <a:ln w="28575">
+            <a:solidFill>
+              <a:schemeClr val="tx1"/>
+            </a:solidFill>
+          </a:ln>
+        </p:spPr>
+        <p:style>
+          <a:lnRef idx="1">
+            <a:schemeClr val="dk1"/>
+          </a:lnRef>
+          <a:fillRef idx="0">
+            <a:schemeClr val="dk1"/>
+          </a:fillRef>
+          <a:effectRef idx="0">
+            <a:schemeClr val="dk1"/>
+          </a:effectRef>
+          <a:fontRef idx="minor">
+            <a:schemeClr val="tx1"/>
+          </a:fontRef>
+        </p:style>
+      </p:cxnSp>
+      <p:pic>
+        <p:nvPicPr>
+          <p:cNvPr id="6" name="Picture 5" descr="A white page with black text&#10;&#10;Description automatically generated">
+            <a:extLst>
+              <a:ext uri="{FF2B5EF4-FFF2-40B4-BE49-F238E27FC236}">
+                <a16:creationId xmlns:a16="http://schemas.microsoft.com/office/drawing/2014/main" id="{E62AAB99-7653-76DA-5BBF-02B9AEABDC44}"/>
+              </a:ext>
+            </a:extLst>
+          </p:cNvPr>
+          <p:cNvPicPr>
+            <a:picLocks noChangeAspect="1"/>
+          </p:cNvPicPr>
+          <p:nvPr/>
+        </p:nvPicPr>
+        <p:blipFill>
+          <a:blip r:embed="rId2">
+            <a:alphaModFix/>
+          </a:blip>
+          <a:srcRect t="1096" r="-1"/>
+          <a:stretch/>
+        </p:blipFill>
+        <p:spPr>
+          <a:xfrm>
+            <a:off x="481007" y="1993515"/>
+            <a:ext cx="5511628" cy="4374624"/>
+          </a:xfrm>
+          <a:prstGeom prst="rect">
+            <a:avLst/>
+          </a:prstGeom>
+        </p:spPr>
+      </p:pic>
+      <p:cxnSp>
+        <p:nvCxnSpPr>
+          <p:cNvPr id="34" name="Straight Connector 33">
+            <a:extLst>
+              <a:ext uri="{FF2B5EF4-FFF2-40B4-BE49-F238E27FC236}">
+                <a16:creationId xmlns:a16="http://schemas.microsoft.com/office/drawing/2014/main" id="{C4558310-C928-4426-BFAC-68450D291D0A}"/>
+              </a:ext>
+              <a:ext uri="{C183D7F6-B498-43B3-948B-1728B52AA6E4}">
+                <adec:decorative xmlns:adec="http://schemas.microsoft.com/office/drawing/2017/decorative" val="1"/>
+              </a:ext>
+            </a:extLst>
+          </p:cNvPr>
+          <p:cNvCxnSpPr>
+            <a:cxnSpLocks noGrp="1" noRot="1" noChangeAspect="1" noMove="1" noResize="1" noEditPoints="1" noAdjustHandles="1" noChangeArrowheads="1" noChangeShapeType="1"/>
+          </p:cNvCxnSpPr>
+          <p:nvPr>
+            <p:extLst>
+              <p:ext uri="{386F3935-93C4-4BCD-93E2-E3B085C9AB24}">
+                <p16:designElem xmlns:p16="http://schemas.microsoft.com/office/powerpoint/2015/main" val="1"/>
+              </p:ext>
+            </p:extLst>
+          </p:nvPr>
+        </p:nvCxnSpPr>
+        <p:spPr>
+          <a:xfrm>
+            <a:off x="482600" y="1993515"/>
+            <a:ext cx="11147071" cy="0"/>
+          </a:xfrm>
+          <a:prstGeom prst="line">
+            <a:avLst/>
+          </a:prstGeom>
+          <a:ln w="28575">
+            <a:solidFill>
+              <a:schemeClr val="tx1"/>
+            </a:solidFill>
+          </a:ln>
+        </p:spPr>
+        <p:style>
+          <a:lnRef idx="1">
+            <a:schemeClr val="dk1"/>
+          </a:lnRef>
+          <a:fillRef idx="0">
+            <a:schemeClr val="dk1"/>
+          </a:fillRef>
+          <a:effectRef idx="0">
+            <a:schemeClr val="dk1"/>
+          </a:effectRef>
+          <a:fontRef idx="minor">
+            <a:schemeClr val="tx1"/>
+          </a:fontRef>
+        </p:style>
+      </p:cxnSp>
+      <p:sp>
+        <p:nvSpPr>
+          <p:cNvPr id="3" name="Content Placeholder 2">
+            <a:extLst>
+              <a:ext uri="{FF2B5EF4-FFF2-40B4-BE49-F238E27FC236}">
+                <a16:creationId xmlns:a16="http://schemas.microsoft.com/office/drawing/2014/main" id="{50BB1861-70EF-0A8E-5053-453DD9B62B3F}"/>
+              </a:ext>
+            </a:extLst>
+          </p:cNvPr>
+          <p:cNvSpPr>
+            <a:spLocks noGrp="1"/>
+          </p:cNvSpPr>
+          <p:nvPr>
+            <p:ph idx="1"/>
+          </p:nvPr>
+        </p:nvSpPr>
+        <p:spPr>
+          <a:xfrm>
+            <a:off x="6216171" y="2247497"/>
+            <a:ext cx="5394141" cy="3888557"/>
+          </a:xfrm>
+        </p:spPr>
+        <p:txBody>
+          <a:bodyPr anchor="ctr">
+            <a:normAutofit/>
+          </a:bodyPr>
+          <a:lstStyle/>
+          <a:p>
+            <a:pPr marL="457200" indent="-457200">
+              <a:buFont typeface="+mj-lt"/>
+              <a:buAutoNum type="arabicPeriod"/>
+            </a:pPr>
+            <a:r>
+              <a:rPr lang="en-US" sz="2000" dirty="0"/>
+              <a:t>Gender</a:t>
+            </a:r>
+          </a:p>
+          <a:p>
+            <a:pPr marL="457200" indent="-457200">
+              <a:buFont typeface="+mj-lt"/>
+              <a:buAutoNum type="arabicPeriod"/>
+            </a:pPr>
+            <a:r>
+              <a:rPr lang="en-US" sz="2000" dirty="0"/>
+              <a:t>Monolingual or bi/multilingual</a:t>
+            </a:r>
+          </a:p>
+          <a:p>
+            <a:pPr marL="457200" indent="-457200">
+              <a:buFont typeface="+mj-lt"/>
+              <a:buAutoNum type="arabicPeriod"/>
+            </a:pPr>
+            <a:r>
+              <a:rPr lang="en-US" sz="2000" dirty="0"/>
+              <a:t>Personality traits (5 dimensions; 50 items)</a:t>
+            </a:r>
+          </a:p>
+          <a:p>
+            <a:pPr marL="457200" indent="-457200">
+              <a:buFont typeface="+mj-lt"/>
+              <a:buAutoNum type="arabicPeriod"/>
+            </a:pPr>
+            <a:r>
+              <a:rPr lang="en-US" sz="2000" dirty="0"/>
+              <a:t>Autistic traits (5 dimensions; 50 items)</a:t>
+            </a:r>
+          </a:p>
+          <a:p>
+            <a:pPr marL="457200" indent="-457200">
+              <a:buFont typeface="+mj-lt"/>
+              <a:buAutoNum type="arabicPeriod"/>
+            </a:pPr>
+            <a:r>
+              <a:rPr lang="en-US" sz="2000" dirty="0"/>
+              <a:t>General decision-making style (5 dimensions; 25 items)</a:t>
+            </a:r>
+          </a:p>
+          <a:p>
+            <a:pPr marL="457200" indent="-457200">
+              <a:buFont typeface="+mj-lt"/>
+              <a:buAutoNum type="arabicPeriod"/>
+            </a:pPr>
+            <a:r>
+              <a:rPr lang="en-US" sz="2000" dirty="0"/>
+              <a:t>Family size</a:t>
+            </a:r>
+          </a:p>
+          <a:p>
+            <a:pPr marL="457200" indent="-457200">
+              <a:buFont typeface="+mj-lt"/>
+              <a:buAutoNum type="arabicPeriod"/>
+            </a:pPr>
+            <a:r>
+              <a:rPr lang="en-US" sz="2000" dirty="0"/>
+              <a:t>Motivation</a:t>
+            </a:r>
+          </a:p>
+          <a:p>
+            <a:pPr marL="457200" indent="-457200">
+              <a:buFont typeface="+mj-lt"/>
+              <a:buAutoNum type="arabicPeriod"/>
+            </a:pPr>
+            <a:endParaRPr lang="en-US" sz="2000" dirty="0"/>
+          </a:p>
+        </p:txBody>
+      </p:sp>
+      <p:cxnSp>
+        <p:nvCxnSpPr>
+          <p:cNvPr id="35" name="Straight Connector 34">
+            <a:extLst>
+              <a:ext uri="{FF2B5EF4-FFF2-40B4-BE49-F238E27FC236}">
+                <a16:creationId xmlns:a16="http://schemas.microsoft.com/office/drawing/2014/main" id="{B58B45F5-E162-4AF7-9E46-A4290969B479}"/>
+              </a:ext>
+              <a:ext uri="{C183D7F6-B498-43B3-948B-1728B52AA6E4}">
+                <adec:decorative xmlns:adec="http://schemas.microsoft.com/office/drawing/2017/decorative" val="1"/>
+              </a:ext>
+            </a:extLst>
+          </p:cNvPr>
+          <p:cNvCxnSpPr>
+            <a:cxnSpLocks noGrp="1" noRot="1" noChangeAspect="1" noMove="1" noResize="1" noEditPoints="1" noAdjustHandles="1" noChangeArrowheads="1" noChangeShapeType="1"/>
+          </p:cNvCxnSpPr>
+          <p:nvPr>
+            <p:extLst>
+              <p:ext uri="{386F3935-93C4-4BCD-93E2-E3B085C9AB24}">
+                <p16:designElem xmlns:p16="http://schemas.microsoft.com/office/powerpoint/2015/main" val="1"/>
+              </p:ext>
+            </p:extLst>
+          </p:nvPr>
+        </p:nvCxnSpPr>
+        <p:spPr>
+          <a:xfrm>
+            <a:off x="482600" y="6368138"/>
+            <a:ext cx="11147071" cy="0"/>
+          </a:xfrm>
+          <a:prstGeom prst="line">
+            <a:avLst/>
+          </a:prstGeom>
+          <a:ln w="28575">
+            <a:solidFill>
+              <a:schemeClr val="tx1"/>
+            </a:solidFill>
+          </a:ln>
+        </p:spPr>
+        <p:style>
+          <a:lnRef idx="1">
+            <a:schemeClr val="dk1"/>
+          </a:lnRef>
+          <a:fillRef idx="0">
+            <a:schemeClr val="dk1"/>
+          </a:fillRef>
+          <a:effectRef idx="0">
+            <a:schemeClr val="dk1"/>
+          </a:effectRef>
+          <a:fontRef idx="minor">
+            <a:schemeClr val="tx1"/>
+          </a:fontRef>
+        </p:style>
+      </p:cxnSp>
+    </p:spTree>
+    <p:extLst>
+      <p:ext uri="{BB962C8B-B14F-4D97-AF65-F5344CB8AC3E}">
+        <p14:creationId xmlns:p14="http://schemas.microsoft.com/office/powerpoint/2010/main" val="3024378837"/>
+      </p:ext>
+    </p:extLst>
+  </p:cSld>
+  <p:clrMapOvr>
+    <a:masterClrMapping/>
+  </p:clrMapOvr>
+</p:sld>
+</file>
+
 <file path=ppt/slides/slide6.xml><?xml version="1.0" encoding="utf-8"?>
 <p:sld xmlns:a="http://schemas.openxmlformats.org/drawingml/2006/main" xmlns:r="http://schemas.openxmlformats.org/officeDocument/2006/relationships" xmlns:p="http://schemas.openxmlformats.org/presentationml/2006/main">
   <p:cSld>
@@ -7831,7 +7949,7 @@
       </p:grpSpPr>
       <p:sp useBgFill="1">
         <p:nvSpPr>
-          <p:cNvPr id="31" name="Rectangle 30">
+          <p:cNvPr id="8" name="Rectangle 7">
             <a:extLst>
               <a:ext uri="{FF2B5EF4-FFF2-40B4-BE49-F238E27FC236}">
                 <a16:creationId xmlns:a16="http://schemas.microsoft.com/office/drawing/2014/main" id="{92B0CFF1-78D7-4A83-A95E-71F9E3831622}"/>
@@ -7891,10 +8009,10 @@
       </p:sp>
       <p:sp>
         <p:nvSpPr>
-          <p:cNvPr id="32" name="Rectangle 31">
-            <a:extLst>
-              <a:ext uri="{FF2B5EF4-FFF2-40B4-BE49-F238E27FC236}">
-                <a16:creationId xmlns:a16="http://schemas.microsoft.com/office/drawing/2014/main" id="{C12927E5-081D-440D-A775-C0AE9DA1E3EC}"/>
+          <p:cNvPr id="10" name="Rectangle 9">
+            <a:extLst>
+              <a:ext uri="{FF2B5EF4-FFF2-40B4-BE49-F238E27FC236}">
+                <a16:creationId xmlns:a16="http://schemas.microsoft.com/office/drawing/2014/main" id="{EC84EE41-863A-4DE9-9A51-4F014D681F70}"/>
               </a:ext>
               <a:ext uri="{C183D7F6-B498-43B3-948B-1728B52AA6E4}">
                 <adec:decorative xmlns:adec="http://schemas.microsoft.com/office/drawing/2017/decorative" val="1"/>
@@ -7914,8 +8032,8 @@
         </p:nvSpPr>
         <p:spPr>
           <a:xfrm>
-            <a:off x="481007" y="489856"/>
-            <a:ext cx="11147071" cy="1476642"/>
+            <a:off x="479416" y="485369"/>
+            <a:ext cx="11147071" cy="2460838"/>
           </a:xfrm>
           <a:prstGeom prst="rect">
             <a:avLst/>
@@ -7959,7 +8077,7 @@
           <p:cNvPr id="2" name="Title 1">
             <a:extLst>
               <a:ext uri="{FF2B5EF4-FFF2-40B4-BE49-F238E27FC236}">
-                <a16:creationId xmlns:a16="http://schemas.microsoft.com/office/drawing/2014/main" id="{6A547EBD-7924-0BEB-DE85-2E6710C0426A}"/>
+                <a16:creationId xmlns:a16="http://schemas.microsoft.com/office/drawing/2014/main" id="{E65CB596-F19E-4927-261B-B8F112A30E49}"/>
               </a:ext>
             </a:extLst>
           </p:cNvPr>
@@ -7972,8 +8090,8 @@
         </p:nvSpPr>
         <p:spPr>
           <a:xfrm>
-            <a:off x="482601" y="721946"/>
-            <a:ext cx="10813250" cy="1022100"/>
+            <a:off x="482601" y="976160"/>
+            <a:ext cx="8411120" cy="1493871"/>
           </a:xfrm>
         </p:spPr>
         <p:txBody>
@@ -7982,70 +8100,19 @@
           </a:bodyPr>
           <a:lstStyle/>
           <a:p>
-            <a:pPr>
-              <a:lnSpc>
-                <a:spcPct val="90000"/>
-              </a:lnSpc>
-            </a:pPr>
-            <a:r>
-              <a:rPr lang="en-US"/>
-              <a:t>Potential factors</a:t>
-            </a:r>
-          </a:p>
-        </p:txBody>
-      </p:sp>
-      <p:sp>
-        <p:nvSpPr>
-          <p:cNvPr id="4" name="Slide Number Placeholder 3">
-            <a:extLst>
-              <a:ext uri="{FF2B5EF4-FFF2-40B4-BE49-F238E27FC236}">
-                <a16:creationId xmlns:a16="http://schemas.microsoft.com/office/drawing/2014/main" id="{A2D7E379-F2A4-4CDA-0415-933CD228DB0B}"/>
-              </a:ext>
-            </a:extLst>
-          </p:cNvPr>
-          <p:cNvSpPr>
-            <a:spLocks noGrp="1"/>
-          </p:cNvSpPr>
-          <p:nvPr>
-            <p:ph type="sldNum" sz="quarter" idx="12"/>
-          </p:nvPr>
-        </p:nvSpPr>
-        <p:spPr>
-          <a:xfrm>
-            <a:off x="10989591" y="100584"/>
-            <a:ext cx="640080" cy="365125"/>
-          </a:xfrm>
-        </p:spPr>
-        <p:txBody>
-          <a:bodyPr>
-            <a:normAutofit/>
-          </a:bodyPr>
-          <a:lstStyle/>
-          <a:p>
-            <a:pPr>
-              <a:spcAft>
-                <a:spcPts val="600"/>
-              </a:spcAft>
-            </a:pPr>
-            <a:fld id="{60553ECD-7F6D-420D-93CA-D8D15EB427AC}" type="slidenum">
-              <a:rPr lang="en-US" smtClean="0"/>
-              <a:pPr>
-                <a:spcAft>
-                  <a:spcPts val="600"/>
-                </a:spcAft>
-              </a:pPr>
-              <a:t>6</a:t>
-            </a:fld>
-            <a:endParaRPr lang="en-US"/>
+            <a:r>
+              <a:rPr lang="en-US" sz="7200" dirty="0"/>
+              <a:t>Data cleaning</a:t>
+            </a:r>
           </a:p>
         </p:txBody>
       </p:sp>
       <p:cxnSp>
         <p:nvCxnSpPr>
-          <p:cNvPr id="33" name="Straight Connector 32">
-            <a:extLst>
-              <a:ext uri="{FF2B5EF4-FFF2-40B4-BE49-F238E27FC236}">
-                <a16:creationId xmlns:a16="http://schemas.microsoft.com/office/drawing/2014/main" id="{22CDD0E7-BDD6-41F4-8AAB-088A2E8D0367}"/>
+          <p:cNvPr id="12" name="Straight Connector 11">
+            <a:extLst>
+              <a:ext uri="{FF2B5EF4-FFF2-40B4-BE49-F238E27FC236}">
+                <a16:creationId xmlns:a16="http://schemas.microsoft.com/office/drawing/2014/main" id="{23135360-3A7F-436F-B1EA-3628A78B57BD}"/>
               </a:ext>
               <a:ext uri="{C183D7F6-B498-43B3-948B-1728B52AA6E4}">
                 <adec:decorative xmlns:adec="http://schemas.microsoft.com/office/drawing/2017/decorative" val="1"/>
@@ -8065,7 +8132,7 @@
         </p:nvCxnSpPr>
         <p:spPr>
           <a:xfrm>
-            <a:off x="482600" y="489855"/>
+            <a:off x="482600" y="489854"/>
             <a:ext cx="11147071" cy="0"/>
           </a:xfrm>
           <a:prstGeom prst="line">
@@ -8092,43 +8159,12 @@
           </a:fontRef>
         </p:style>
       </p:cxnSp>
-      <p:pic>
-        <p:nvPicPr>
-          <p:cNvPr id="6" name="Picture 5" descr="A white page with black text&#10;&#10;Description automatically generated">
-            <a:extLst>
-              <a:ext uri="{FF2B5EF4-FFF2-40B4-BE49-F238E27FC236}">
-                <a16:creationId xmlns:a16="http://schemas.microsoft.com/office/drawing/2014/main" id="{E62AAB99-7653-76DA-5BBF-02B9AEABDC44}"/>
-              </a:ext>
-            </a:extLst>
-          </p:cNvPr>
-          <p:cNvPicPr>
-            <a:picLocks noChangeAspect="1"/>
-          </p:cNvPicPr>
-          <p:nvPr/>
-        </p:nvPicPr>
-        <p:blipFill>
-          <a:blip r:embed="rId2">
-            <a:alphaModFix/>
-          </a:blip>
-          <a:srcRect t="1096" r="-1"/>
-          <a:stretch/>
-        </p:blipFill>
-        <p:spPr>
-          <a:xfrm>
-            <a:off x="481007" y="1993515"/>
-            <a:ext cx="5511628" cy="4374624"/>
-          </a:xfrm>
-          <a:prstGeom prst="rect">
-            <a:avLst/>
-          </a:prstGeom>
-        </p:spPr>
-      </p:pic>
       <p:cxnSp>
         <p:nvCxnSpPr>
-          <p:cNvPr id="34" name="Straight Connector 33">
-            <a:extLst>
-              <a:ext uri="{FF2B5EF4-FFF2-40B4-BE49-F238E27FC236}">
-                <a16:creationId xmlns:a16="http://schemas.microsoft.com/office/drawing/2014/main" id="{C4558310-C928-4426-BFAC-68450D291D0A}"/>
+          <p:cNvPr id="14" name="Straight Connector 13">
+            <a:extLst>
+              <a:ext uri="{FF2B5EF4-FFF2-40B4-BE49-F238E27FC236}">
+                <a16:creationId xmlns:a16="http://schemas.microsoft.com/office/drawing/2014/main" id="{08990BBA-8A0B-4EF5-A122-0815DEC19410}"/>
               </a:ext>
               <a:ext uri="{C183D7F6-B498-43B3-948B-1728B52AA6E4}">
                 <adec:decorative xmlns:adec="http://schemas.microsoft.com/office/drawing/2017/decorative" val="1"/>
@@ -8148,7 +8184,7 @@
         </p:nvCxnSpPr>
         <p:spPr>
           <a:xfrm>
-            <a:off x="482600" y="1993515"/>
+            <a:off x="482600" y="2918401"/>
             <a:ext cx="11147071" cy="0"/>
           </a:xfrm>
           <a:prstGeom prst="line">
@@ -8180,7 +8216,7 @@
           <p:cNvPr id="3" name="Content Placeholder 2">
             <a:extLst>
               <a:ext uri="{FF2B5EF4-FFF2-40B4-BE49-F238E27FC236}">
-                <a16:creationId xmlns:a16="http://schemas.microsoft.com/office/drawing/2014/main" id="{50BB1861-70EF-0A8E-5053-453DD9B62B3F}"/>
+                <a16:creationId xmlns:a16="http://schemas.microsoft.com/office/drawing/2014/main" id="{09B4050D-3F22-5DE0-43D5-30A3EE4FD0DF}"/>
               </a:ext>
             </a:extLst>
           </p:cNvPr>
@@ -8193,100 +8229,77 @@
         </p:nvSpPr>
         <p:spPr>
           <a:xfrm>
-            <a:off x="6216171" y="2247497"/>
-            <a:ext cx="5394141" cy="3888557"/>
-          </a:xfrm>
-        </p:spPr>
-        <p:txBody>
-          <a:bodyPr anchor="ctr">
-            <a:normAutofit/>
+            <a:off x="482600" y="3167751"/>
+            <a:ext cx="10784114" cy="3320129"/>
+          </a:xfrm>
+        </p:spPr>
+        <p:txBody>
+          <a:bodyPr>
+            <a:noAutofit/>
           </a:bodyPr>
           <a:lstStyle/>
           <a:p>
-            <a:pPr marL="457200" indent="-457200">
-              <a:buFont typeface="+mj-lt"/>
-              <a:buAutoNum type="arabicPeriod"/>
+            <a:pPr marL="342900" indent="-342900">
+              <a:buFont typeface="Arial" panose="020B0604020202020204" pitchFamily="34" charset="0"/>
+              <a:buChar char="•"/>
             </a:pPr>
             <a:r>
-              <a:rPr lang="en-US" sz="2000"/>
-              <a:t>Gender</a:t>
-            </a:r>
-          </a:p>
-          <a:p>
-            <a:pPr marL="457200" indent="-457200">
-              <a:buFont typeface="+mj-lt"/>
-              <a:buAutoNum type="arabicPeriod"/>
+              <a:rPr lang="en-US" dirty="0"/>
+              <a:t>Data files</a:t>
+            </a:r>
+          </a:p>
+          <a:p>
+            <a:pPr marL="1028700" lvl="1" indent="-342900"/>
+            <a:r>
+              <a:rPr lang="en-US" sz="2400" dirty="0"/>
+              <a:t>Women: (118, 261)</a:t>
+            </a:r>
+          </a:p>
+          <a:p>
+            <a:pPr marL="1028700" lvl="1" indent="-342900"/>
+            <a:r>
+              <a:rPr lang="en-US" sz="2400" dirty="0"/>
+              <a:t>Men: (94, 261)</a:t>
+            </a:r>
+          </a:p>
+          <a:p>
+            <a:pPr marL="342900" indent="-342900">
+              <a:buFont typeface="Arial" panose="020B0604020202020204" pitchFamily="34" charset="0"/>
+              <a:buChar char="•"/>
             </a:pPr>
             <a:r>
-              <a:rPr lang="en-US" sz="2000"/>
-              <a:t>Monolingual or bi/multilingual</a:t>
-            </a:r>
-          </a:p>
-          <a:p>
-            <a:pPr marL="457200" indent="-457200">
-              <a:buFont typeface="+mj-lt"/>
-              <a:buAutoNum type="arabicPeriod"/>
+              <a:rPr lang="en-US" dirty="0"/>
+              <a:t>Exclude illegible participants</a:t>
+            </a:r>
+          </a:p>
+          <a:p>
+            <a:pPr marL="342900" indent="-342900">
+              <a:buFont typeface="Arial" panose="020B0604020202020204" pitchFamily="34" charset="0"/>
+              <a:buChar char="•"/>
             </a:pPr>
             <a:r>
-              <a:rPr lang="en-US" sz="2000"/>
-              <a:t>Personality traits (5 dimensions; 50 items)</a:t>
-            </a:r>
-          </a:p>
-          <a:p>
-            <a:pPr marL="457200" indent="-457200">
-              <a:buFont typeface="+mj-lt"/>
-              <a:buAutoNum type="arabicPeriod"/>
+              <a:rPr lang="en-US" dirty="0"/>
+              <a:t>Convert the behavioral responses to numerical format that can be analyzed</a:t>
+            </a:r>
+          </a:p>
+          <a:p>
+            <a:pPr marL="342900" indent="-342900">
+              <a:buFont typeface="Arial" panose="020B0604020202020204" pitchFamily="34" charset="0"/>
+              <a:buChar char="•"/>
             </a:pPr>
             <a:r>
-              <a:rPr lang="en-US" sz="2000"/>
-              <a:t>Autistic traits (5 dimensions; 50 items)</a:t>
-            </a:r>
-          </a:p>
-          <a:p>
-            <a:pPr marL="457200" indent="-457200">
-              <a:buFont typeface="+mj-lt"/>
-              <a:buAutoNum type="arabicPeriod"/>
-            </a:pPr>
-            <a:r>
-              <a:rPr lang="en-US" sz="2000"/>
-              <a:t>General decision-making style (5 dimensions; 25 items)</a:t>
-            </a:r>
-          </a:p>
-          <a:p>
-            <a:pPr marL="457200" indent="-457200">
-              <a:buFont typeface="+mj-lt"/>
-              <a:buAutoNum type="arabicPeriod"/>
-            </a:pPr>
-            <a:r>
-              <a:rPr lang="en-US" sz="2000"/>
-              <a:t>Family size</a:t>
-            </a:r>
-          </a:p>
-          <a:p>
-            <a:pPr marL="457200" indent="-457200">
-              <a:buFont typeface="+mj-lt"/>
-              <a:buAutoNum type="arabicPeriod"/>
-            </a:pPr>
-            <a:r>
-              <a:rPr lang="en-US" sz="2000"/>
-              <a:t>Motivation</a:t>
-            </a:r>
-          </a:p>
-          <a:p>
-            <a:pPr marL="457200" indent="-457200">
-              <a:buFont typeface="+mj-lt"/>
-              <a:buAutoNum type="arabicPeriod"/>
-            </a:pPr>
-            <a:endParaRPr lang="en-US" sz="2000"/>
+              <a:rPr lang="en-US" dirty="0"/>
+              <a:t>Restructure the measurement responses into different dimensions</a:t>
+            </a:r>
           </a:p>
         </p:txBody>
       </p:sp>
       <p:cxnSp>
         <p:nvCxnSpPr>
-          <p:cNvPr id="35" name="Straight Connector 34">
-            <a:extLst>
-              <a:ext uri="{FF2B5EF4-FFF2-40B4-BE49-F238E27FC236}">
-                <a16:creationId xmlns:a16="http://schemas.microsoft.com/office/drawing/2014/main" id="{B58B45F5-E162-4AF7-9E46-A4290969B479}"/>
+          <p:cNvPr id="16" name="Straight Connector 15">
+            <a:extLst>
+              <a:ext uri="{FF2B5EF4-FFF2-40B4-BE49-F238E27FC236}">
+                <a16:creationId xmlns:a16="http://schemas.microsoft.com/office/drawing/2014/main" id="{38045D80-B59B-4760-8DF9-AECD53044DA6}"/>
               </a:ext>
               <a:ext uri="{C183D7F6-B498-43B3-948B-1728B52AA6E4}">
                 <adec:decorative xmlns:adec="http://schemas.microsoft.com/office/drawing/2017/decorative" val="1"/>
@@ -8314,7 +8327,7 @@
           </a:prstGeom>
           <a:ln w="28575">
             <a:solidFill>
-              <a:schemeClr val="tx1"/>
+              <a:schemeClr val="tx2"/>
             </a:solidFill>
           </a:ln>
         </p:spPr>
@@ -8333,10 +8346,39 @@
           </a:fontRef>
         </p:style>
       </p:cxnSp>
+      <p:sp>
+        <p:nvSpPr>
+          <p:cNvPr id="4" name="Slide Number Placeholder 3">
+            <a:extLst>
+              <a:ext uri="{FF2B5EF4-FFF2-40B4-BE49-F238E27FC236}">
+                <a16:creationId xmlns:a16="http://schemas.microsoft.com/office/drawing/2014/main" id="{0C377C02-F5DB-AD12-0482-6B2DABEA817C}"/>
+              </a:ext>
+            </a:extLst>
+          </p:cNvPr>
+          <p:cNvSpPr>
+            <a:spLocks noGrp="1"/>
+          </p:cNvSpPr>
+          <p:nvPr>
+            <p:ph type="sldNum" sz="quarter" idx="12"/>
+          </p:nvPr>
+        </p:nvSpPr>
+        <p:spPr/>
+        <p:txBody>
+          <a:bodyPr/>
+          <a:lstStyle/>
+          <a:p>
+            <a:fld id="{60553ECD-7F6D-420D-93CA-D8D15EB427AC}" type="slidenum">
+              <a:rPr lang="en-US" smtClean="0"/>
+              <a:t>6</a:t>
+            </a:fld>
+            <a:endParaRPr lang="en-US"/>
+          </a:p>
+        </p:txBody>
+      </p:sp>
     </p:spTree>
     <p:extLst>
       <p:ext uri="{BB962C8B-B14F-4D97-AF65-F5344CB8AC3E}">
-        <p14:creationId xmlns:p14="http://schemas.microsoft.com/office/powerpoint/2010/main" val="3024378837"/>
+        <p14:creationId xmlns:p14="http://schemas.microsoft.com/office/powerpoint/2010/main" val="798797733"/>
       </p:ext>
     </p:extLst>
   </p:cSld>
@@ -8501,7 +8543,7 @@
           <p:cNvPr id="2" name="Title 1">
             <a:extLst>
               <a:ext uri="{FF2B5EF4-FFF2-40B4-BE49-F238E27FC236}">
-                <a16:creationId xmlns:a16="http://schemas.microsoft.com/office/drawing/2014/main" id="{E65CB596-F19E-4927-261B-B8F112A30E49}"/>
+                <a16:creationId xmlns:a16="http://schemas.microsoft.com/office/drawing/2014/main" id="{8D5818CF-AFB6-238C-2522-6AF35AA31BD4}"/>
               </a:ext>
             </a:extLst>
           </p:cNvPr>
@@ -8514,8 +8556,8 @@
         </p:nvSpPr>
         <p:spPr>
           <a:xfrm>
-            <a:off x="482601" y="976160"/>
-            <a:ext cx="8411120" cy="1493871"/>
+            <a:off x="482600" y="976160"/>
+            <a:ext cx="10718799" cy="1493871"/>
           </a:xfrm>
         </p:spPr>
         <p:txBody>
@@ -8524,9 +8566,14 @@
           </a:bodyPr>
           <a:lstStyle/>
           <a:p>
-            <a:r>
-              <a:rPr lang="en-US" sz="7200" dirty="0"/>
-              <a:t>Data cleaning</a:t>
+            <a:pPr>
+              <a:lnSpc>
+                <a:spcPct val="90000"/>
+              </a:lnSpc>
+            </a:pPr>
+            <a:r>
+              <a:rPr lang="en-US" sz="6000" dirty="0"/>
+              <a:t>Challenges and lessons learned</a:t>
             </a:r>
           </a:p>
         </p:txBody>
@@ -8640,7 +8687,7 @@
           <p:cNvPr id="3" name="Content Placeholder 2">
             <a:extLst>
               <a:ext uri="{FF2B5EF4-FFF2-40B4-BE49-F238E27FC236}">
-                <a16:creationId xmlns:a16="http://schemas.microsoft.com/office/drawing/2014/main" id="{09B4050D-3F22-5DE0-43D5-30A3EE4FD0DF}"/>
+                <a16:creationId xmlns:a16="http://schemas.microsoft.com/office/drawing/2014/main" id="{F7335708-84CE-09AC-353D-48E730386E72}"/>
               </a:ext>
             </a:extLst>
           </p:cNvPr>
@@ -8653,13 +8700,13 @@
         </p:nvSpPr>
         <p:spPr>
           <a:xfrm>
-            <a:off x="482600" y="3167751"/>
-            <a:ext cx="10784114" cy="3320129"/>
+            <a:off x="482600" y="3167743"/>
+            <a:ext cx="11524916" cy="3425553"/>
           </a:xfrm>
         </p:spPr>
         <p:txBody>
           <a:bodyPr>
-            <a:noAutofit/>
+            <a:normAutofit fontScale="92500" lnSpcReduction="10000"/>
           </a:bodyPr>
           <a:lstStyle/>
           <a:p>
@@ -8668,22 +8715,15 @@
               <a:buChar char="•"/>
             </a:pPr>
             <a:r>
-              <a:rPr lang="en-US" dirty="0"/>
-              <a:t>Data files</a:t>
+              <a:rPr lang="en-US" sz="2800" dirty="0"/>
+              <a:t>Overwhelmed by the amount of data</a:t>
             </a:r>
           </a:p>
           <a:p>
             <a:pPr marL="1028700" lvl="1" indent="-342900"/>
             <a:r>
               <a:rPr lang="en-US" sz="2400" dirty="0"/>
-              <a:t>Women: (118, 261)</a:t>
-            </a:r>
-          </a:p>
-          <a:p>
-            <a:pPr marL="1028700" lvl="1" indent="-342900"/>
-            <a:r>
-              <a:rPr lang="en-US" sz="2400" dirty="0"/>
-              <a:t>Men: (94, 261)</a:t>
+              <a:t>Be patient and calm</a:t>
             </a:r>
           </a:p>
           <a:p>
@@ -8692,8 +8732,15 @@
               <a:buChar char="•"/>
             </a:pPr>
             <a:r>
-              <a:rPr lang="en-US" dirty="0"/>
-              <a:t>Exclude illegible participants</a:t>
+              <a:rPr lang="en-US" sz="2800" dirty="0"/>
+              <a:t>Planned the order of cleaning before coding</a:t>
+            </a:r>
+          </a:p>
+          <a:p>
+            <a:pPr marL="1028700" lvl="1" indent="-342900"/>
+            <a:r>
+              <a:rPr lang="en-US" sz="2400" dirty="0"/>
+              <a:t>there can be cases of rule-ordering</a:t>
             </a:r>
           </a:p>
           <a:p>
@@ -8702,18 +8749,22 @@
               <a:buChar char="•"/>
             </a:pPr>
             <a:r>
+              <a:rPr lang="en-US" sz="2800" dirty="0"/>
+              <a:t>Segregate the data cleaning procedure into different phases to reduce the task-switching costs </a:t>
+            </a:r>
+          </a:p>
+          <a:p>
+            <a:pPr marL="1028700" lvl="1" indent="-342900"/>
+            <a:r>
               <a:rPr lang="en-US" dirty="0"/>
-              <a:t>Convert the behavioral responses to numerical format that can be analyzed</a:t>
-            </a:r>
-          </a:p>
-          <a:p>
-            <a:pPr marL="342900" indent="-342900">
-              <a:buFont typeface="Arial" panose="020B0604020202020204" pitchFamily="34" charset="0"/>
-              <a:buChar char="•"/>
-            </a:pPr>
+              <a:t>Code as I reference the formulae in each questionnaire vs.</a:t>
+            </a:r>
+          </a:p>
+          <a:p>
+            <a:pPr marL="1028700" lvl="1" indent="-342900"/>
             <a:r>
               <a:rPr lang="en-US" dirty="0"/>
-              <a:t>Restructure the measurement responses into different dimensions</a:t>
+              <a:t>Write out the conversion formulae of all questionnaires before coding </a:t>
             </a:r>
           </a:p>
         </p:txBody>
@@ -8775,7 +8826,7 @@
           <p:cNvPr id="4" name="Slide Number Placeholder 3">
             <a:extLst>
               <a:ext uri="{FF2B5EF4-FFF2-40B4-BE49-F238E27FC236}">
-                <a16:creationId xmlns:a16="http://schemas.microsoft.com/office/drawing/2014/main" id="{0C377C02-F5DB-AD12-0482-6B2DABEA817C}"/>
+                <a16:creationId xmlns:a16="http://schemas.microsoft.com/office/drawing/2014/main" id="{149FECB5-FDBC-27FA-5F9A-D4500E93A6BD}"/>
               </a:ext>
             </a:extLst>
           </p:cNvPr>
@@ -8794,481 +8845,6 @@
             <a:fld id="{60553ECD-7F6D-420D-93CA-D8D15EB427AC}" type="slidenum">
               <a:rPr lang="en-US" smtClean="0"/>
               <a:t>7</a:t>
-            </a:fld>
-            <a:endParaRPr lang="en-US"/>
-          </a:p>
-        </p:txBody>
-      </p:sp>
-    </p:spTree>
-    <p:extLst>
-      <p:ext uri="{BB962C8B-B14F-4D97-AF65-F5344CB8AC3E}">
-        <p14:creationId xmlns:p14="http://schemas.microsoft.com/office/powerpoint/2010/main" val="798797733"/>
-      </p:ext>
-    </p:extLst>
-  </p:cSld>
-  <p:clrMapOvr>
-    <a:masterClrMapping/>
-  </p:clrMapOvr>
-</p:sld>
-</file>
-
-<file path=ppt/slides/slide8.xml><?xml version="1.0" encoding="utf-8"?>
-<p:sld xmlns:a="http://schemas.openxmlformats.org/drawingml/2006/main" xmlns:r="http://schemas.openxmlformats.org/officeDocument/2006/relationships" xmlns:p="http://schemas.openxmlformats.org/presentationml/2006/main">
-  <p:cSld>
-    <p:bg>
-      <p:bgPr>
-        <a:solidFill>
-          <a:schemeClr val="bg1"/>
-        </a:solidFill>
-        <a:effectLst/>
-      </p:bgPr>
-    </p:bg>
-    <p:spTree>
-      <p:nvGrpSpPr>
-        <p:cNvPr id="1" name=""/>
-        <p:cNvGrpSpPr/>
-        <p:nvPr/>
-      </p:nvGrpSpPr>
-      <p:grpSpPr>
-        <a:xfrm>
-          <a:off x="0" y="0"/>
-          <a:ext cx="0" cy="0"/>
-          <a:chOff x="0" y="0"/>
-          <a:chExt cx="0" cy="0"/>
-        </a:xfrm>
-      </p:grpSpPr>
-      <p:sp useBgFill="1">
-        <p:nvSpPr>
-          <p:cNvPr id="8" name="Rectangle 7">
-            <a:extLst>
-              <a:ext uri="{FF2B5EF4-FFF2-40B4-BE49-F238E27FC236}">
-                <a16:creationId xmlns:a16="http://schemas.microsoft.com/office/drawing/2014/main" id="{92B0CFF1-78D7-4A83-A95E-71F9E3831622}"/>
-              </a:ext>
-              <a:ext uri="{C183D7F6-B498-43B3-948B-1728B52AA6E4}">
-                <adec:decorative xmlns:adec="http://schemas.microsoft.com/office/drawing/2017/decorative" val="1"/>
-              </a:ext>
-            </a:extLst>
-          </p:cNvPr>
-          <p:cNvSpPr>
-            <a:spLocks noGrp="1" noRot="1" noChangeAspect="1" noMove="1" noResize="1" noEditPoints="1" noAdjustHandles="1" noChangeArrowheads="1" noChangeShapeType="1" noTextEdit="1"/>
-          </p:cNvSpPr>
-          <p:nvPr>
-            <p:extLst>
-              <p:ext uri="{386F3935-93C4-4BCD-93E2-E3B085C9AB24}">
-                <p16:designElem xmlns:p16="http://schemas.microsoft.com/office/powerpoint/2015/main" val="1"/>
-              </p:ext>
-            </p:extLst>
-          </p:nvPr>
-        </p:nvSpPr>
-        <p:spPr>
-          <a:xfrm>
-            <a:off x="0" y="0"/>
-            <a:ext cx="12192000" cy="6858001"/>
-          </a:xfrm>
-          <a:prstGeom prst="rect">
-            <a:avLst/>
-          </a:prstGeom>
-          <a:ln>
-            <a:noFill/>
-          </a:ln>
-        </p:spPr>
-        <p:style>
-          <a:lnRef idx="2">
-            <a:schemeClr val="accent1">
-              <a:shade val="50000"/>
-            </a:schemeClr>
-          </a:lnRef>
-          <a:fillRef idx="1">
-            <a:schemeClr val="accent1"/>
-          </a:fillRef>
-          <a:effectRef idx="0">
-            <a:schemeClr val="accent1"/>
-          </a:effectRef>
-          <a:fontRef idx="minor">
-            <a:schemeClr val="lt1"/>
-          </a:fontRef>
-        </p:style>
-        <p:txBody>
-          <a:bodyPr rtlCol="0" anchor="ctr"/>
-          <a:lstStyle/>
-          <a:p>
-            <a:pPr algn="ctr"/>
-            <a:endParaRPr lang="en-US" dirty="0"/>
-          </a:p>
-        </p:txBody>
-      </p:sp>
-      <p:sp>
-        <p:nvSpPr>
-          <p:cNvPr id="10" name="Rectangle 9">
-            <a:extLst>
-              <a:ext uri="{FF2B5EF4-FFF2-40B4-BE49-F238E27FC236}">
-                <a16:creationId xmlns:a16="http://schemas.microsoft.com/office/drawing/2014/main" id="{EC84EE41-863A-4DE9-9A51-4F014D681F70}"/>
-              </a:ext>
-              <a:ext uri="{C183D7F6-B498-43B3-948B-1728B52AA6E4}">
-                <adec:decorative xmlns:adec="http://schemas.microsoft.com/office/drawing/2017/decorative" val="1"/>
-              </a:ext>
-            </a:extLst>
-          </p:cNvPr>
-          <p:cNvSpPr>
-            <a:spLocks noGrp="1" noRot="1" noChangeAspect="1" noMove="1" noResize="1" noEditPoints="1" noAdjustHandles="1" noChangeArrowheads="1" noChangeShapeType="1" noTextEdit="1"/>
-          </p:cNvSpPr>
-          <p:nvPr>
-            <p:extLst>
-              <p:ext uri="{386F3935-93C4-4BCD-93E2-E3B085C9AB24}">
-                <p16:designElem xmlns:p16="http://schemas.microsoft.com/office/powerpoint/2015/main" val="1"/>
-              </p:ext>
-            </p:extLst>
-          </p:nvPr>
-        </p:nvSpPr>
-        <p:spPr>
-          <a:xfrm>
-            <a:off x="479416" y="485369"/>
-            <a:ext cx="11147071" cy="2460838"/>
-          </a:xfrm>
-          <a:prstGeom prst="rect">
-            <a:avLst/>
-          </a:prstGeom>
-          <a:solidFill>
-            <a:schemeClr val="accent1">
-              <a:alpha val="10000"/>
-            </a:schemeClr>
-          </a:solidFill>
-          <a:ln>
-            <a:noFill/>
-          </a:ln>
-        </p:spPr>
-        <p:style>
-          <a:lnRef idx="2">
-            <a:schemeClr val="accent1">
-              <a:shade val="50000"/>
-            </a:schemeClr>
-          </a:lnRef>
-          <a:fillRef idx="1">
-            <a:schemeClr val="accent1"/>
-          </a:fillRef>
-          <a:effectRef idx="0">
-            <a:schemeClr val="accent1"/>
-          </a:effectRef>
-          <a:fontRef idx="minor">
-            <a:schemeClr val="lt1"/>
-          </a:fontRef>
-        </p:style>
-        <p:txBody>
-          <a:bodyPr rtlCol="0" anchor="ctr"/>
-          <a:lstStyle/>
-          <a:p>
-            <a:pPr algn="ctr"/>
-            <a:endParaRPr lang="en-US"/>
-          </a:p>
-        </p:txBody>
-      </p:sp>
-      <p:sp>
-        <p:nvSpPr>
-          <p:cNvPr id="2" name="Title 1">
-            <a:extLst>
-              <a:ext uri="{FF2B5EF4-FFF2-40B4-BE49-F238E27FC236}">
-                <a16:creationId xmlns:a16="http://schemas.microsoft.com/office/drawing/2014/main" id="{8D5818CF-AFB6-238C-2522-6AF35AA31BD4}"/>
-              </a:ext>
-            </a:extLst>
-          </p:cNvPr>
-          <p:cNvSpPr>
-            <a:spLocks noGrp="1"/>
-          </p:cNvSpPr>
-          <p:nvPr>
-            <p:ph type="title"/>
-          </p:nvPr>
-        </p:nvSpPr>
-        <p:spPr>
-          <a:xfrm>
-            <a:off x="482600" y="976160"/>
-            <a:ext cx="10718799" cy="1493871"/>
-          </a:xfrm>
-        </p:spPr>
-        <p:txBody>
-          <a:bodyPr>
-            <a:normAutofit/>
-          </a:bodyPr>
-          <a:lstStyle/>
-          <a:p>
-            <a:pPr>
-              <a:lnSpc>
-                <a:spcPct val="90000"/>
-              </a:lnSpc>
-            </a:pPr>
-            <a:r>
-              <a:rPr lang="en-US" sz="6000" dirty="0"/>
-              <a:t>Challenges and lessons learned</a:t>
-            </a:r>
-          </a:p>
-        </p:txBody>
-      </p:sp>
-      <p:cxnSp>
-        <p:nvCxnSpPr>
-          <p:cNvPr id="12" name="Straight Connector 11">
-            <a:extLst>
-              <a:ext uri="{FF2B5EF4-FFF2-40B4-BE49-F238E27FC236}">
-                <a16:creationId xmlns:a16="http://schemas.microsoft.com/office/drawing/2014/main" id="{23135360-3A7F-436F-B1EA-3628A78B57BD}"/>
-              </a:ext>
-              <a:ext uri="{C183D7F6-B498-43B3-948B-1728B52AA6E4}">
-                <adec:decorative xmlns:adec="http://schemas.microsoft.com/office/drawing/2017/decorative" val="1"/>
-              </a:ext>
-            </a:extLst>
-          </p:cNvPr>
-          <p:cNvCxnSpPr>
-            <a:cxnSpLocks noGrp="1" noRot="1" noChangeAspect="1" noMove="1" noResize="1" noEditPoints="1" noAdjustHandles="1" noChangeArrowheads="1" noChangeShapeType="1"/>
-          </p:cNvCxnSpPr>
-          <p:nvPr>
-            <p:extLst>
-              <p:ext uri="{386F3935-93C4-4BCD-93E2-E3B085C9AB24}">
-                <p16:designElem xmlns:p16="http://schemas.microsoft.com/office/powerpoint/2015/main" val="1"/>
-              </p:ext>
-            </p:extLst>
-          </p:nvPr>
-        </p:nvCxnSpPr>
-        <p:spPr>
-          <a:xfrm>
-            <a:off x="482600" y="489854"/>
-            <a:ext cx="11147071" cy="0"/>
-          </a:xfrm>
-          <a:prstGeom prst="line">
-            <a:avLst/>
-          </a:prstGeom>
-          <a:ln w="28575">
-            <a:solidFill>
-              <a:schemeClr val="tx1"/>
-            </a:solidFill>
-          </a:ln>
-        </p:spPr>
-        <p:style>
-          <a:lnRef idx="1">
-            <a:schemeClr val="dk1"/>
-          </a:lnRef>
-          <a:fillRef idx="0">
-            <a:schemeClr val="dk1"/>
-          </a:fillRef>
-          <a:effectRef idx="0">
-            <a:schemeClr val="dk1"/>
-          </a:effectRef>
-          <a:fontRef idx="minor">
-            <a:schemeClr val="tx1"/>
-          </a:fontRef>
-        </p:style>
-      </p:cxnSp>
-      <p:cxnSp>
-        <p:nvCxnSpPr>
-          <p:cNvPr id="14" name="Straight Connector 13">
-            <a:extLst>
-              <a:ext uri="{FF2B5EF4-FFF2-40B4-BE49-F238E27FC236}">
-                <a16:creationId xmlns:a16="http://schemas.microsoft.com/office/drawing/2014/main" id="{08990BBA-8A0B-4EF5-A122-0815DEC19410}"/>
-              </a:ext>
-              <a:ext uri="{C183D7F6-B498-43B3-948B-1728B52AA6E4}">
-                <adec:decorative xmlns:adec="http://schemas.microsoft.com/office/drawing/2017/decorative" val="1"/>
-              </a:ext>
-            </a:extLst>
-          </p:cNvPr>
-          <p:cNvCxnSpPr>
-            <a:cxnSpLocks noGrp="1" noRot="1" noChangeAspect="1" noMove="1" noResize="1" noEditPoints="1" noAdjustHandles="1" noChangeArrowheads="1" noChangeShapeType="1"/>
-          </p:cNvCxnSpPr>
-          <p:nvPr>
-            <p:extLst>
-              <p:ext uri="{386F3935-93C4-4BCD-93E2-E3B085C9AB24}">
-                <p16:designElem xmlns:p16="http://schemas.microsoft.com/office/powerpoint/2015/main" val="1"/>
-              </p:ext>
-            </p:extLst>
-          </p:nvPr>
-        </p:nvCxnSpPr>
-        <p:spPr>
-          <a:xfrm>
-            <a:off x="482600" y="2918401"/>
-            <a:ext cx="11147071" cy="0"/>
-          </a:xfrm>
-          <a:prstGeom prst="line">
-            <a:avLst/>
-          </a:prstGeom>
-          <a:ln w="28575">
-            <a:solidFill>
-              <a:schemeClr val="tx1"/>
-            </a:solidFill>
-          </a:ln>
-        </p:spPr>
-        <p:style>
-          <a:lnRef idx="1">
-            <a:schemeClr val="dk1"/>
-          </a:lnRef>
-          <a:fillRef idx="0">
-            <a:schemeClr val="dk1"/>
-          </a:fillRef>
-          <a:effectRef idx="0">
-            <a:schemeClr val="dk1"/>
-          </a:effectRef>
-          <a:fontRef idx="minor">
-            <a:schemeClr val="tx1"/>
-          </a:fontRef>
-        </p:style>
-      </p:cxnSp>
-      <p:sp>
-        <p:nvSpPr>
-          <p:cNvPr id="3" name="Content Placeholder 2">
-            <a:extLst>
-              <a:ext uri="{FF2B5EF4-FFF2-40B4-BE49-F238E27FC236}">
-                <a16:creationId xmlns:a16="http://schemas.microsoft.com/office/drawing/2014/main" id="{F7335708-84CE-09AC-353D-48E730386E72}"/>
-              </a:ext>
-            </a:extLst>
-          </p:cNvPr>
-          <p:cNvSpPr>
-            <a:spLocks noGrp="1"/>
-          </p:cNvSpPr>
-          <p:nvPr>
-            <p:ph idx="1"/>
-          </p:nvPr>
-        </p:nvSpPr>
-        <p:spPr>
-          <a:xfrm>
-            <a:off x="482600" y="3167743"/>
-            <a:ext cx="11524916" cy="3425553"/>
-          </a:xfrm>
-        </p:spPr>
-        <p:txBody>
-          <a:bodyPr>
-            <a:normAutofit fontScale="92500" lnSpcReduction="10000"/>
-          </a:bodyPr>
-          <a:lstStyle/>
-          <a:p>
-            <a:pPr marL="342900" indent="-342900">
-              <a:buFont typeface="Arial" panose="020B0604020202020204" pitchFamily="34" charset="0"/>
-              <a:buChar char="•"/>
-            </a:pPr>
-            <a:r>
-              <a:rPr lang="en-US" sz="2800" dirty="0"/>
-              <a:t>Overwhelmed by the amount of data</a:t>
-            </a:r>
-          </a:p>
-          <a:p>
-            <a:pPr marL="1028700" lvl="1" indent="-342900"/>
-            <a:r>
-              <a:rPr lang="en-US" sz="2400" dirty="0"/>
-              <a:t>Be patient and calm</a:t>
-            </a:r>
-          </a:p>
-          <a:p>
-            <a:pPr marL="342900" indent="-342900">
-              <a:buFont typeface="Arial" panose="020B0604020202020204" pitchFamily="34" charset="0"/>
-              <a:buChar char="•"/>
-            </a:pPr>
-            <a:r>
-              <a:rPr lang="en-US" sz="2800" dirty="0"/>
-              <a:t>Planned the order of cleaning before coding</a:t>
-            </a:r>
-          </a:p>
-          <a:p>
-            <a:pPr marL="1028700" lvl="1" indent="-342900"/>
-            <a:r>
-              <a:rPr lang="en-US" sz="2400" dirty="0"/>
-              <a:t>there can be cases of rule-ordering</a:t>
-            </a:r>
-          </a:p>
-          <a:p>
-            <a:pPr marL="342900" indent="-342900">
-              <a:buFont typeface="Arial" panose="020B0604020202020204" pitchFamily="34" charset="0"/>
-              <a:buChar char="•"/>
-            </a:pPr>
-            <a:r>
-              <a:rPr lang="en-US" sz="2800" dirty="0"/>
-              <a:t>Segregate the data cleaning procedure into different phases to reduce the task-switching costs </a:t>
-            </a:r>
-          </a:p>
-          <a:p>
-            <a:pPr marL="1028700" lvl="1" indent="-342900"/>
-            <a:r>
-              <a:rPr lang="en-US" dirty="0"/>
-              <a:t>Code as I reference the formulae in each questionnaire vs.</a:t>
-            </a:r>
-          </a:p>
-          <a:p>
-            <a:pPr marL="1028700" lvl="1" indent="-342900"/>
-            <a:r>
-              <a:rPr lang="en-US" dirty="0"/>
-              <a:t>Write out the conversion formulae of all questionnaires before coding </a:t>
-            </a:r>
-          </a:p>
-        </p:txBody>
-      </p:sp>
-      <p:cxnSp>
-        <p:nvCxnSpPr>
-          <p:cNvPr id="16" name="Straight Connector 15">
-            <a:extLst>
-              <a:ext uri="{FF2B5EF4-FFF2-40B4-BE49-F238E27FC236}">
-                <a16:creationId xmlns:a16="http://schemas.microsoft.com/office/drawing/2014/main" id="{38045D80-B59B-4760-8DF9-AECD53044DA6}"/>
-              </a:ext>
-              <a:ext uri="{C183D7F6-B498-43B3-948B-1728B52AA6E4}">
-                <adec:decorative xmlns:adec="http://schemas.microsoft.com/office/drawing/2017/decorative" val="1"/>
-              </a:ext>
-            </a:extLst>
-          </p:cNvPr>
-          <p:cNvCxnSpPr>
-            <a:cxnSpLocks noGrp="1" noRot="1" noChangeAspect="1" noMove="1" noResize="1" noEditPoints="1" noAdjustHandles="1" noChangeArrowheads="1" noChangeShapeType="1"/>
-          </p:cNvCxnSpPr>
-          <p:nvPr>
-            <p:extLst>
-              <p:ext uri="{386F3935-93C4-4BCD-93E2-E3B085C9AB24}">
-                <p16:designElem xmlns:p16="http://schemas.microsoft.com/office/powerpoint/2015/main" val="1"/>
-              </p:ext>
-            </p:extLst>
-          </p:nvPr>
-        </p:nvCxnSpPr>
-        <p:spPr>
-          <a:xfrm>
-            <a:off x="482600" y="6368138"/>
-            <a:ext cx="11147071" cy="0"/>
-          </a:xfrm>
-          <a:prstGeom prst="line">
-            <a:avLst/>
-          </a:prstGeom>
-          <a:ln w="28575">
-            <a:solidFill>
-              <a:schemeClr val="tx2"/>
-            </a:solidFill>
-          </a:ln>
-        </p:spPr>
-        <p:style>
-          <a:lnRef idx="1">
-            <a:schemeClr val="dk1"/>
-          </a:lnRef>
-          <a:fillRef idx="0">
-            <a:schemeClr val="dk1"/>
-          </a:fillRef>
-          <a:effectRef idx="0">
-            <a:schemeClr val="dk1"/>
-          </a:effectRef>
-          <a:fontRef idx="minor">
-            <a:schemeClr val="tx1"/>
-          </a:fontRef>
-        </p:style>
-      </p:cxnSp>
-      <p:sp>
-        <p:nvSpPr>
-          <p:cNvPr id="4" name="Slide Number Placeholder 3">
-            <a:extLst>
-              <a:ext uri="{FF2B5EF4-FFF2-40B4-BE49-F238E27FC236}">
-                <a16:creationId xmlns:a16="http://schemas.microsoft.com/office/drawing/2014/main" id="{149FECB5-FDBC-27FA-5F9A-D4500E93A6BD}"/>
-              </a:ext>
-            </a:extLst>
-          </p:cNvPr>
-          <p:cNvSpPr>
-            <a:spLocks noGrp="1"/>
-          </p:cNvSpPr>
-          <p:nvPr>
-            <p:ph type="sldNum" sz="quarter" idx="12"/>
-          </p:nvPr>
-        </p:nvSpPr>
-        <p:spPr/>
-        <p:txBody>
-          <a:bodyPr/>
-          <a:lstStyle/>
-          <a:p>
-            <a:fld id="{60553ECD-7F6D-420D-93CA-D8D15EB427AC}" type="slidenum">
-              <a:rPr lang="en-US" smtClean="0"/>
-              <a:t>8</a:t>
             </a:fld>
             <a:endParaRPr lang="en-US"/>
           </a:p>
@@ -9287,7 +8863,7 @@
 </p:sld>
 </file>
 
-<file path=ppt/slides/slide9.xml><?xml version="1.0" encoding="utf-8"?>
+<file path=ppt/slides/slide8.xml><?xml version="1.0" encoding="utf-8"?>
 <p:sld xmlns:a="http://schemas.openxmlformats.org/drawingml/2006/main" xmlns:r="http://schemas.openxmlformats.org/officeDocument/2006/relationships" xmlns:p="http://schemas.openxmlformats.org/presentationml/2006/main">
   <p:cSld>
     <p:bg>
@@ -9759,7 +9335,7 @@
           <a:p>
             <a:fld id="{60553ECD-7F6D-420D-93CA-D8D15EB427AC}" type="slidenum">
               <a:rPr lang="en-US" smtClean="0"/>
-              <a:t>9</a:t>
+              <a:t>8</a:t>
             </a:fld>
             <a:endParaRPr lang="en-US"/>
           </a:p>
